--- a/src/main/resources/docs/bean的生命周期.pptx
+++ b/src/main/resources/docs/bean的生命周期.pptx
@@ -6,6 +6,8 @@
   </p:sldMasterIdLst>
   <p:sldIdLst>
     <p:sldId id="256" r:id="rId2"/>
+    <p:sldId id="257" r:id="rId3"/>
+    <p:sldId id="258" r:id="rId4"/>
   </p:sldIdLst>
   <p:sldSz cx="12192000" cy="6858000"/>
   <p:notesSz cx="6858000" cy="9144000"/>
@@ -104,6 +106,11 @@
       </a:defRPr>
     </a:lvl9pPr>
   </p:defaultTextStyle>
+  <p:extLst>
+    <p:ext uri="{EFAFB233-063F-42B5-8137-9DF3F51BA10A}">
+      <p15:sldGuideLst xmlns:p15="http://schemas.microsoft.com/office/powerpoint/2012/main"/>
+    </p:ext>
+  </p:extLst>
 </p:presentation>
 </file>
 
@@ -254,7 +261,7 @@
           <a:p>
             <a:fld id="{AD55A9FC-E6F2-4BD8-AB8E-BDE1B6655100}" type="datetimeFigureOut">
               <a:rPr lang="zh-CN" altLang="en-US" smtClean="0"/>
-              <a:t>2019/12/22</a:t>
+              <a:t>2019/12/29</a:t>
             </a:fld>
             <a:endParaRPr lang="zh-CN" altLang="en-US"/>
           </a:p>
@@ -452,7 +459,7 @@
           <a:p>
             <a:fld id="{AD55A9FC-E6F2-4BD8-AB8E-BDE1B6655100}" type="datetimeFigureOut">
               <a:rPr lang="zh-CN" altLang="en-US" smtClean="0"/>
-              <a:t>2019/12/22</a:t>
+              <a:t>2019/12/29</a:t>
             </a:fld>
             <a:endParaRPr lang="zh-CN" altLang="en-US"/>
           </a:p>
@@ -660,7 +667,7 @@
           <a:p>
             <a:fld id="{AD55A9FC-E6F2-4BD8-AB8E-BDE1B6655100}" type="datetimeFigureOut">
               <a:rPr lang="zh-CN" altLang="en-US" smtClean="0"/>
-              <a:t>2019/12/22</a:t>
+              <a:t>2019/12/29</a:t>
             </a:fld>
             <a:endParaRPr lang="zh-CN" altLang="en-US"/>
           </a:p>
@@ -858,7 +865,7 @@
           <a:p>
             <a:fld id="{AD55A9FC-E6F2-4BD8-AB8E-BDE1B6655100}" type="datetimeFigureOut">
               <a:rPr lang="zh-CN" altLang="en-US" smtClean="0"/>
-              <a:t>2019/12/22</a:t>
+              <a:t>2019/12/29</a:t>
             </a:fld>
             <a:endParaRPr lang="zh-CN" altLang="en-US"/>
           </a:p>
@@ -1133,7 +1140,7 @@
           <a:p>
             <a:fld id="{AD55A9FC-E6F2-4BD8-AB8E-BDE1B6655100}" type="datetimeFigureOut">
               <a:rPr lang="zh-CN" altLang="en-US" smtClean="0"/>
-              <a:t>2019/12/22</a:t>
+              <a:t>2019/12/29</a:t>
             </a:fld>
             <a:endParaRPr lang="zh-CN" altLang="en-US"/>
           </a:p>
@@ -1398,7 +1405,7 @@
           <a:p>
             <a:fld id="{AD55A9FC-E6F2-4BD8-AB8E-BDE1B6655100}" type="datetimeFigureOut">
               <a:rPr lang="zh-CN" altLang="en-US" smtClean="0"/>
-              <a:t>2019/12/22</a:t>
+              <a:t>2019/12/29</a:t>
             </a:fld>
             <a:endParaRPr lang="zh-CN" altLang="en-US"/>
           </a:p>
@@ -1810,7 +1817,7 @@
           <a:p>
             <a:fld id="{AD55A9FC-E6F2-4BD8-AB8E-BDE1B6655100}" type="datetimeFigureOut">
               <a:rPr lang="zh-CN" altLang="en-US" smtClean="0"/>
-              <a:t>2019/12/22</a:t>
+              <a:t>2019/12/29</a:t>
             </a:fld>
             <a:endParaRPr lang="zh-CN" altLang="en-US"/>
           </a:p>
@@ -1951,7 +1958,7 @@
           <a:p>
             <a:fld id="{AD55A9FC-E6F2-4BD8-AB8E-BDE1B6655100}" type="datetimeFigureOut">
               <a:rPr lang="zh-CN" altLang="en-US" smtClean="0"/>
-              <a:t>2019/12/22</a:t>
+              <a:t>2019/12/29</a:t>
             </a:fld>
             <a:endParaRPr lang="zh-CN" altLang="en-US"/>
           </a:p>
@@ -2064,7 +2071,7 @@
           <a:p>
             <a:fld id="{AD55A9FC-E6F2-4BD8-AB8E-BDE1B6655100}" type="datetimeFigureOut">
               <a:rPr lang="zh-CN" altLang="en-US" smtClean="0"/>
-              <a:t>2019/12/22</a:t>
+              <a:t>2019/12/29</a:t>
             </a:fld>
             <a:endParaRPr lang="zh-CN" altLang="en-US"/>
           </a:p>
@@ -2375,7 +2382,7 @@
           <a:p>
             <a:fld id="{AD55A9FC-E6F2-4BD8-AB8E-BDE1B6655100}" type="datetimeFigureOut">
               <a:rPr lang="zh-CN" altLang="en-US" smtClean="0"/>
-              <a:t>2019/12/22</a:t>
+              <a:t>2019/12/29</a:t>
             </a:fld>
             <a:endParaRPr lang="zh-CN" altLang="en-US"/>
           </a:p>
@@ -2663,7 +2670,7 @@
           <a:p>
             <a:fld id="{AD55A9FC-E6F2-4BD8-AB8E-BDE1B6655100}" type="datetimeFigureOut">
               <a:rPr lang="zh-CN" altLang="en-US" smtClean="0"/>
-              <a:t>2019/12/22</a:t>
+              <a:t>2019/12/29</a:t>
             </a:fld>
             <a:endParaRPr lang="zh-CN" altLang="en-US"/>
           </a:p>
@@ -2904,7 +2911,7 @@
           <a:p>
             <a:fld id="{AD55A9FC-E6F2-4BD8-AB8E-BDE1B6655100}" type="datetimeFigureOut">
               <a:rPr lang="zh-CN" altLang="en-US" smtClean="0"/>
-              <a:t>2019/12/22</a:t>
+              <a:t>2019/12/29</a:t>
             </a:fld>
             <a:endParaRPr lang="zh-CN" altLang="en-US"/>
           </a:p>
@@ -5310,6 +5317,3261 @@
 </p:sld>
 </file>
 
+<file path=ppt/slides/slide2.xml><?xml version="1.0" encoding="utf-8"?>
+<p:sld xmlns:a="http://schemas.openxmlformats.org/drawingml/2006/main" xmlns:r="http://schemas.openxmlformats.org/officeDocument/2006/relationships" xmlns:p="http://schemas.openxmlformats.org/presentationml/2006/main">
+  <p:cSld>
+    <p:spTree>
+      <p:nvGrpSpPr>
+        <p:cNvPr id="1" name=""/>
+        <p:cNvGrpSpPr/>
+        <p:nvPr/>
+      </p:nvGrpSpPr>
+      <p:grpSpPr>
+        <a:xfrm>
+          <a:off x="0" y="0"/>
+          <a:ext cx="0" cy="0"/>
+          <a:chOff x="0" y="0"/>
+          <a:chExt cx="0" cy="0"/>
+        </a:xfrm>
+      </p:grpSpPr>
+      <p:sp>
+        <p:nvSpPr>
+          <p:cNvPr id="4" name="矩形 3">
+            <a:extLst>
+              <a:ext uri="{FF2B5EF4-FFF2-40B4-BE49-F238E27FC236}">
+                <a16:creationId xmlns:a16="http://schemas.microsoft.com/office/drawing/2014/main" id="{DF45EC99-F23E-4440-97B3-7E7F4DB95601}"/>
+              </a:ext>
+            </a:extLst>
+          </p:cNvPr>
+          <p:cNvSpPr/>
+          <p:nvPr/>
+        </p:nvSpPr>
+        <p:spPr>
+          <a:xfrm>
+            <a:off x="315312" y="672664"/>
+            <a:ext cx="3552497" cy="2743200"/>
+          </a:xfrm>
+          <a:prstGeom prst="rect">
+            <a:avLst/>
+          </a:prstGeom>
+        </p:spPr>
+        <p:style>
+          <a:lnRef idx="1">
+            <a:schemeClr val="accent5"/>
+          </a:lnRef>
+          <a:fillRef idx="2">
+            <a:schemeClr val="accent5"/>
+          </a:fillRef>
+          <a:effectRef idx="1">
+            <a:schemeClr val="accent5"/>
+          </a:effectRef>
+          <a:fontRef idx="minor">
+            <a:schemeClr val="dk1"/>
+          </a:fontRef>
+        </p:style>
+        <p:txBody>
+          <a:bodyPr rtlCol="0" anchor="ctr"/>
+          <a:lstStyle/>
+          <a:p>
+            <a:pPr algn="ctr"/>
+            <a:endParaRPr lang="zh-CN" altLang="en-US"/>
+          </a:p>
+        </p:txBody>
+      </p:sp>
+      <p:sp>
+        <p:nvSpPr>
+          <p:cNvPr id="5" name="矩形 4">
+            <a:extLst>
+              <a:ext uri="{FF2B5EF4-FFF2-40B4-BE49-F238E27FC236}">
+                <a16:creationId xmlns:a16="http://schemas.microsoft.com/office/drawing/2014/main" id="{C20F7759-BD73-491D-B72F-FE4B0B31B00A}"/>
+              </a:ext>
+            </a:extLst>
+          </p:cNvPr>
+          <p:cNvSpPr/>
+          <p:nvPr/>
+        </p:nvSpPr>
+        <p:spPr>
+          <a:xfrm>
+            <a:off x="646387" y="861849"/>
+            <a:ext cx="2890346" cy="451945"/>
+          </a:xfrm>
+          <a:prstGeom prst="rect">
+            <a:avLst/>
+          </a:prstGeom>
+        </p:spPr>
+        <p:style>
+          <a:lnRef idx="1">
+            <a:schemeClr val="accent2"/>
+          </a:lnRef>
+          <a:fillRef idx="2">
+            <a:schemeClr val="accent2"/>
+          </a:fillRef>
+          <a:effectRef idx="1">
+            <a:schemeClr val="accent2"/>
+          </a:effectRef>
+          <a:fontRef idx="minor">
+            <a:schemeClr val="dk1"/>
+          </a:fontRef>
+        </p:style>
+        <p:txBody>
+          <a:bodyPr rtlCol="0" anchor="ctr"/>
+          <a:lstStyle/>
+          <a:p>
+            <a:pPr algn="ctr"/>
+            <a:r>
+              <a:rPr lang="en-US" altLang="zh-CN" dirty="0" err="1"/>
+              <a:t>UserController.class</a:t>
+            </a:r>
+            <a:endParaRPr lang="zh-CN" altLang="en-US" dirty="0"/>
+          </a:p>
+        </p:txBody>
+      </p:sp>
+      <p:sp>
+        <p:nvSpPr>
+          <p:cNvPr id="6" name="矩形 5">
+            <a:extLst>
+              <a:ext uri="{FF2B5EF4-FFF2-40B4-BE49-F238E27FC236}">
+                <a16:creationId xmlns:a16="http://schemas.microsoft.com/office/drawing/2014/main" id="{7CC2AD97-D526-49A4-A252-ADB2B73F1DDB}"/>
+              </a:ext>
+            </a:extLst>
+          </p:cNvPr>
+          <p:cNvSpPr/>
+          <p:nvPr/>
+        </p:nvSpPr>
+        <p:spPr>
+          <a:xfrm>
+            <a:off x="646387" y="1502979"/>
+            <a:ext cx="2890346" cy="451945"/>
+          </a:xfrm>
+          <a:prstGeom prst="rect">
+            <a:avLst/>
+          </a:prstGeom>
+        </p:spPr>
+        <p:style>
+          <a:lnRef idx="1">
+            <a:schemeClr val="accent2"/>
+          </a:lnRef>
+          <a:fillRef idx="2">
+            <a:schemeClr val="accent2"/>
+          </a:fillRef>
+          <a:effectRef idx="1">
+            <a:schemeClr val="accent2"/>
+          </a:effectRef>
+          <a:fontRef idx="minor">
+            <a:schemeClr val="dk1"/>
+          </a:fontRef>
+        </p:style>
+        <p:txBody>
+          <a:bodyPr rtlCol="0" anchor="ctr"/>
+          <a:lstStyle/>
+          <a:p>
+            <a:pPr algn="ctr"/>
+            <a:r>
+              <a:rPr lang="en-US" altLang="zh-CN" dirty="0" err="1"/>
+              <a:t>UserServiceImpl.class</a:t>
+            </a:r>
+            <a:endParaRPr lang="zh-CN" altLang="en-US" dirty="0"/>
+          </a:p>
+        </p:txBody>
+      </p:sp>
+      <p:sp>
+        <p:nvSpPr>
+          <p:cNvPr id="7" name="矩形 6">
+            <a:extLst>
+              <a:ext uri="{FF2B5EF4-FFF2-40B4-BE49-F238E27FC236}">
+                <a16:creationId xmlns:a16="http://schemas.microsoft.com/office/drawing/2014/main" id="{FC120426-0FB8-492B-8F9F-754DAFB21C72}"/>
+              </a:ext>
+            </a:extLst>
+          </p:cNvPr>
+          <p:cNvSpPr/>
+          <p:nvPr/>
+        </p:nvSpPr>
+        <p:spPr>
+          <a:xfrm>
+            <a:off x="646387" y="2175641"/>
+            <a:ext cx="2890346" cy="451945"/>
+          </a:xfrm>
+          <a:prstGeom prst="rect">
+            <a:avLst/>
+          </a:prstGeom>
+        </p:spPr>
+        <p:style>
+          <a:lnRef idx="1">
+            <a:schemeClr val="accent2"/>
+          </a:lnRef>
+          <a:fillRef idx="2">
+            <a:schemeClr val="accent2"/>
+          </a:fillRef>
+          <a:effectRef idx="1">
+            <a:schemeClr val="accent2"/>
+          </a:effectRef>
+          <a:fontRef idx="minor">
+            <a:schemeClr val="dk1"/>
+          </a:fontRef>
+        </p:style>
+        <p:txBody>
+          <a:bodyPr rtlCol="0" anchor="ctr"/>
+          <a:lstStyle/>
+          <a:p>
+            <a:pPr algn="ctr"/>
+            <a:r>
+              <a:rPr lang="en-US" altLang="zh-CN" dirty="0" err="1"/>
+              <a:t>UserDaoImpl.class</a:t>
+            </a:r>
+            <a:endParaRPr lang="zh-CN" altLang="en-US" dirty="0"/>
+          </a:p>
+        </p:txBody>
+      </p:sp>
+      <p:sp>
+        <p:nvSpPr>
+          <p:cNvPr id="8" name="矩形 7">
+            <a:extLst>
+              <a:ext uri="{FF2B5EF4-FFF2-40B4-BE49-F238E27FC236}">
+                <a16:creationId xmlns:a16="http://schemas.microsoft.com/office/drawing/2014/main" id="{3EFF28D0-6A08-465A-8EAF-70D55F7EE9A3}"/>
+              </a:ext>
+            </a:extLst>
+          </p:cNvPr>
+          <p:cNvSpPr/>
+          <p:nvPr/>
+        </p:nvSpPr>
+        <p:spPr>
+          <a:xfrm>
+            <a:off x="646387" y="2782614"/>
+            <a:ext cx="2890346" cy="451945"/>
+          </a:xfrm>
+          <a:prstGeom prst="rect">
+            <a:avLst/>
+          </a:prstGeom>
+        </p:spPr>
+        <p:style>
+          <a:lnRef idx="1">
+            <a:schemeClr val="accent2"/>
+          </a:lnRef>
+          <a:fillRef idx="2">
+            <a:schemeClr val="accent2"/>
+          </a:fillRef>
+          <a:effectRef idx="1">
+            <a:schemeClr val="accent2"/>
+          </a:effectRef>
+          <a:fontRef idx="minor">
+            <a:schemeClr val="dk1"/>
+          </a:fontRef>
+        </p:style>
+        <p:txBody>
+          <a:bodyPr rtlCol="0" anchor="ctr"/>
+          <a:lstStyle/>
+          <a:p>
+            <a:pPr algn="ctr"/>
+            <a:r>
+              <a:rPr lang="en-US" altLang="zh-CN" dirty="0"/>
+              <a:t>…….class </a:t>
+            </a:r>
+            <a:endParaRPr lang="zh-CN" altLang="en-US" dirty="0"/>
+          </a:p>
+        </p:txBody>
+      </p:sp>
+      <p:cxnSp>
+        <p:nvCxnSpPr>
+          <p:cNvPr id="9" name="直接箭头连接符 8">
+            <a:extLst>
+              <a:ext uri="{FF2B5EF4-FFF2-40B4-BE49-F238E27FC236}">
+                <a16:creationId xmlns:a16="http://schemas.microsoft.com/office/drawing/2014/main" id="{9C1C5C40-8EAD-4B78-9A3D-A4C11C0C4C22}"/>
+              </a:ext>
+            </a:extLst>
+          </p:cNvPr>
+          <p:cNvCxnSpPr>
+            <a:cxnSpLocks/>
+            <a:stCxn id="4" idx="3"/>
+            <a:endCxn id="10" idx="1"/>
+          </p:cNvCxnSpPr>
+          <p:nvPr/>
+        </p:nvCxnSpPr>
+        <p:spPr>
+          <a:xfrm flipV="1">
+            <a:off x="3867809" y="761101"/>
+            <a:ext cx="701570" cy="1283163"/>
+          </a:xfrm>
+          <a:prstGeom prst="straightConnector1">
+            <a:avLst/>
+          </a:prstGeom>
+          <a:ln>
+            <a:tailEnd type="triangle"/>
+          </a:ln>
+        </p:spPr>
+        <p:style>
+          <a:lnRef idx="1">
+            <a:schemeClr val="accent1"/>
+          </a:lnRef>
+          <a:fillRef idx="0">
+            <a:schemeClr val="accent1"/>
+          </a:fillRef>
+          <a:effectRef idx="0">
+            <a:schemeClr val="accent1"/>
+          </a:effectRef>
+          <a:fontRef idx="minor">
+            <a:schemeClr val="tx1"/>
+          </a:fontRef>
+        </p:style>
+      </p:cxnSp>
+      <p:sp>
+        <p:nvSpPr>
+          <p:cNvPr id="10" name="矩形 9">
+            <a:extLst>
+              <a:ext uri="{FF2B5EF4-FFF2-40B4-BE49-F238E27FC236}">
+                <a16:creationId xmlns:a16="http://schemas.microsoft.com/office/drawing/2014/main" id="{4B13DA83-4D71-4EE5-A12E-DC065F563996}"/>
+              </a:ext>
+            </a:extLst>
+          </p:cNvPr>
+          <p:cNvSpPr/>
+          <p:nvPr/>
+        </p:nvSpPr>
+        <p:spPr>
+          <a:xfrm>
+            <a:off x="4569379" y="376893"/>
+            <a:ext cx="1277006" cy="768415"/>
+          </a:xfrm>
+          <a:prstGeom prst="rect">
+            <a:avLst/>
+          </a:prstGeom>
+          <a:solidFill>
+            <a:srgbClr val="00B050"/>
+          </a:solidFill>
+        </p:spPr>
+        <p:style>
+          <a:lnRef idx="2">
+            <a:schemeClr val="accent1">
+              <a:shade val="50000"/>
+            </a:schemeClr>
+          </a:lnRef>
+          <a:fillRef idx="1">
+            <a:schemeClr val="accent1"/>
+          </a:fillRef>
+          <a:effectRef idx="0">
+            <a:schemeClr val="accent1"/>
+          </a:effectRef>
+          <a:fontRef idx="minor">
+            <a:schemeClr val="lt1"/>
+          </a:fontRef>
+        </p:style>
+        <p:txBody>
+          <a:bodyPr rtlCol="0" anchor="ctr"/>
+          <a:lstStyle/>
+          <a:p>
+            <a:pPr algn="ctr"/>
+            <a:r>
+              <a:rPr lang="zh-CN" altLang="en-US" dirty="0"/>
+              <a:t>经</a:t>
+            </a:r>
+            <a:r>
+              <a:rPr lang="en-US" altLang="zh-CN" dirty="0"/>
+              <a:t>JVM</a:t>
+            </a:r>
+            <a:r>
+              <a:rPr lang="zh-CN" altLang="en-US" dirty="0"/>
+              <a:t>加载到内存</a:t>
+            </a:r>
+          </a:p>
+        </p:txBody>
+      </p:sp>
+      <p:sp>
+        <p:nvSpPr>
+          <p:cNvPr id="11" name="矩形 10">
+            <a:extLst>
+              <a:ext uri="{FF2B5EF4-FFF2-40B4-BE49-F238E27FC236}">
+                <a16:creationId xmlns:a16="http://schemas.microsoft.com/office/drawing/2014/main" id="{78198B61-BE8A-47FE-8856-F2D02BA69C6D}"/>
+              </a:ext>
+            </a:extLst>
+          </p:cNvPr>
+          <p:cNvSpPr/>
+          <p:nvPr/>
+        </p:nvSpPr>
+        <p:spPr>
+          <a:xfrm>
+            <a:off x="7404540" y="672664"/>
+            <a:ext cx="3552497" cy="2743200"/>
+          </a:xfrm>
+          <a:prstGeom prst="rect">
+            <a:avLst/>
+          </a:prstGeom>
+        </p:spPr>
+        <p:style>
+          <a:lnRef idx="1">
+            <a:schemeClr val="accent5"/>
+          </a:lnRef>
+          <a:fillRef idx="2">
+            <a:schemeClr val="accent5"/>
+          </a:fillRef>
+          <a:effectRef idx="1">
+            <a:schemeClr val="accent5"/>
+          </a:effectRef>
+          <a:fontRef idx="minor">
+            <a:schemeClr val="dk1"/>
+          </a:fontRef>
+        </p:style>
+        <p:txBody>
+          <a:bodyPr rtlCol="0" anchor="ctr"/>
+          <a:lstStyle/>
+          <a:p>
+            <a:pPr algn="ctr"/>
+            <a:endParaRPr lang="zh-CN" altLang="en-US"/>
+          </a:p>
+        </p:txBody>
+      </p:sp>
+      <p:sp>
+        <p:nvSpPr>
+          <p:cNvPr id="12" name="矩形 11">
+            <a:extLst>
+              <a:ext uri="{FF2B5EF4-FFF2-40B4-BE49-F238E27FC236}">
+                <a16:creationId xmlns:a16="http://schemas.microsoft.com/office/drawing/2014/main" id="{DB32E031-B878-4147-9D11-08E6A45BEF5B}"/>
+              </a:ext>
+            </a:extLst>
+          </p:cNvPr>
+          <p:cNvSpPr/>
+          <p:nvPr/>
+        </p:nvSpPr>
+        <p:spPr>
+          <a:xfrm>
+            <a:off x="7570077" y="869729"/>
+            <a:ext cx="3221422" cy="451945"/>
+          </a:xfrm>
+          <a:prstGeom prst="rect">
+            <a:avLst/>
+          </a:prstGeom>
+        </p:spPr>
+        <p:style>
+          <a:lnRef idx="1">
+            <a:schemeClr val="accent2"/>
+          </a:lnRef>
+          <a:fillRef idx="2">
+            <a:schemeClr val="accent2"/>
+          </a:fillRef>
+          <a:effectRef idx="1">
+            <a:schemeClr val="accent2"/>
+          </a:effectRef>
+          <a:fontRef idx="minor">
+            <a:schemeClr val="dk1"/>
+          </a:fontRef>
+        </p:style>
+        <p:txBody>
+          <a:bodyPr rtlCol="0" anchor="ctr"/>
+          <a:lstStyle/>
+          <a:p>
+            <a:pPr algn="ctr"/>
+            <a:r>
+              <a:rPr lang="en-US" altLang="zh-CN" dirty="0" err="1"/>
+              <a:t>UserController</a:t>
+            </a:r>
+            <a:r>
+              <a:rPr lang="zh-CN" altLang="en-US" dirty="0"/>
+              <a:t>的</a:t>
+            </a:r>
+            <a:r>
+              <a:rPr lang="en-US" altLang="zh-CN" dirty="0"/>
+              <a:t>bean</a:t>
+            </a:r>
+            <a:r>
+              <a:rPr lang="zh-CN" altLang="en-US" dirty="0"/>
+              <a:t>定义</a:t>
+            </a:r>
+          </a:p>
+        </p:txBody>
+      </p:sp>
+      <p:sp>
+        <p:nvSpPr>
+          <p:cNvPr id="13" name="矩形 12">
+            <a:extLst>
+              <a:ext uri="{FF2B5EF4-FFF2-40B4-BE49-F238E27FC236}">
+                <a16:creationId xmlns:a16="http://schemas.microsoft.com/office/drawing/2014/main" id="{24D22D21-D738-4554-9FF1-99C8041E71EF}"/>
+              </a:ext>
+            </a:extLst>
+          </p:cNvPr>
+          <p:cNvSpPr/>
+          <p:nvPr/>
+        </p:nvSpPr>
+        <p:spPr>
+          <a:xfrm>
+            <a:off x="7570077" y="1502979"/>
+            <a:ext cx="3221422" cy="451945"/>
+          </a:xfrm>
+          <a:prstGeom prst="rect">
+            <a:avLst/>
+          </a:prstGeom>
+        </p:spPr>
+        <p:style>
+          <a:lnRef idx="1">
+            <a:schemeClr val="accent2"/>
+          </a:lnRef>
+          <a:fillRef idx="2">
+            <a:schemeClr val="accent2"/>
+          </a:fillRef>
+          <a:effectRef idx="1">
+            <a:schemeClr val="accent2"/>
+          </a:effectRef>
+          <a:fontRef idx="minor">
+            <a:schemeClr val="dk1"/>
+          </a:fontRef>
+        </p:style>
+        <p:txBody>
+          <a:bodyPr rtlCol="0" anchor="ctr"/>
+          <a:lstStyle/>
+          <a:p>
+            <a:pPr algn="ctr"/>
+            <a:r>
+              <a:rPr lang="en-US" altLang="zh-CN" dirty="0" err="1"/>
+              <a:t>UserServiceImpl</a:t>
+            </a:r>
+            <a:r>
+              <a:rPr lang="zh-CN" altLang="en-US" dirty="0"/>
+              <a:t>的</a:t>
+            </a:r>
+            <a:r>
+              <a:rPr lang="en-US" altLang="zh-CN" dirty="0"/>
+              <a:t>bean</a:t>
+            </a:r>
+            <a:r>
+              <a:rPr lang="zh-CN" altLang="en-US" dirty="0"/>
+              <a:t>定义</a:t>
+            </a:r>
+          </a:p>
+        </p:txBody>
+      </p:sp>
+      <p:sp>
+        <p:nvSpPr>
+          <p:cNvPr id="14" name="矩形 13">
+            <a:extLst>
+              <a:ext uri="{FF2B5EF4-FFF2-40B4-BE49-F238E27FC236}">
+                <a16:creationId xmlns:a16="http://schemas.microsoft.com/office/drawing/2014/main" id="{6E7B1296-B38A-40F3-A922-0B7B71ACCC84}"/>
+              </a:ext>
+            </a:extLst>
+          </p:cNvPr>
+          <p:cNvSpPr/>
+          <p:nvPr/>
+        </p:nvSpPr>
+        <p:spPr>
+          <a:xfrm>
+            <a:off x="7570077" y="2175641"/>
+            <a:ext cx="3221422" cy="451945"/>
+          </a:xfrm>
+          <a:prstGeom prst="rect">
+            <a:avLst/>
+          </a:prstGeom>
+        </p:spPr>
+        <p:style>
+          <a:lnRef idx="1">
+            <a:schemeClr val="accent2"/>
+          </a:lnRef>
+          <a:fillRef idx="2">
+            <a:schemeClr val="accent2"/>
+          </a:fillRef>
+          <a:effectRef idx="1">
+            <a:schemeClr val="accent2"/>
+          </a:effectRef>
+          <a:fontRef idx="minor">
+            <a:schemeClr val="dk1"/>
+          </a:fontRef>
+        </p:style>
+        <p:txBody>
+          <a:bodyPr rtlCol="0" anchor="ctr"/>
+          <a:lstStyle/>
+          <a:p>
+            <a:pPr algn="ctr"/>
+            <a:r>
+              <a:rPr lang="en-US" altLang="zh-CN" dirty="0" err="1"/>
+              <a:t>UserDaoImpl</a:t>
+            </a:r>
+            <a:r>
+              <a:rPr lang="zh-CN" altLang="en-US" dirty="0"/>
+              <a:t>的</a:t>
+            </a:r>
+            <a:r>
+              <a:rPr lang="en-US" altLang="zh-CN" dirty="0"/>
+              <a:t>bean</a:t>
+            </a:r>
+            <a:r>
+              <a:rPr lang="zh-CN" altLang="en-US" dirty="0"/>
+              <a:t>定义</a:t>
+            </a:r>
+          </a:p>
+        </p:txBody>
+      </p:sp>
+      <p:sp>
+        <p:nvSpPr>
+          <p:cNvPr id="15" name="矩形 14">
+            <a:extLst>
+              <a:ext uri="{FF2B5EF4-FFF2-40B4-BE49-F238E27FC236}">
+                <a16:creationId xmlns:a16="http://schemas.microsoft.com/office/drawing/2014/main" id="{392BD1CE-B2E2-4E84-80AD-1790A8D5B175}"/>
+              </a:ext>
+            </a:extLst>
+          </p:cNvPr>
+          <p:cNvSpPr/>
+          <p:nvPr/>
+        </p:nvSpPr>
+        <p:spPr>
+          <a:xfrm>
+            <a:off x="7570077" y="2782614"/>
+            <a:ext cx="3221422" cy="451945"/>
+          </a:xfrm>
+          <a:prstGeom prst="rect">
+            <a:avLst/>
+          </a:prstGeom>
+        </p:spPr>
+        <p:style>
+          <a:lnRef idx="1">
+            <a:schemeClr val="accent2"/>
+          </a:lnRef>
+          <a:fillRef idx="2">
+            <a:schemeClr val="accent2"/>
+          </a:fillRef>
+          <a:effectRef idx="1">
+            <a:schemeClr val="accent2"/>
+          </a:effectRef>
+          <a:fontRef idx="minor">
+            <a:schemeClr val="dk1"/>
+          </a:fontRef>
+        </p:style>
+        <p:txBody>
+          <a:bodyPr rtlCol="0" anchor="ctr"/>
+          <a:lstStyle/>
+          <a:p>
+            <a:pPr algn="ctr"/>
+            <a:r>
+              <a:rPr lang="en-US" altLang="zh-CN" dirty="0"/>
+              <a:t>……</a:t>
+            </a:r>
+            <a:r>
+              <a:rPr lang="zh-CN" altLang="en-US" dirty="0"/>
+              <a:t>的</a:t>
+            </a:r>
+            <a:r>
+              <a:rPr lang="en-US" altLang="zh-CN" dirty="0"/>
+              <a:t>bean</a:t>
+            </a:r>
+            <a:r>
+              <a:rPr lang="zh-CN" altLang="en-US" dirty="0"/>
+              <a:t>定义</a:t>
+            </a:r>
+          </a:p>
+        </p:txBody>
+      </p:sp>
+      <p:sp>
+        <p:nvSpPr>
+          <p:cNvPr id="16" name="文本框 15">
+            <a:extLst>
+              <a:ext uri="{FF2B5EF4-FFF2-40B4-BE49-F238E27FC236}">
+                <a16:creationId xmlns:a16="http://schemas.microsoft.com/office/drawing/2014/main" id="{A1C51E95-6AB6-454F-8505-6707B0F139B5}"/>
+              </a:ext>
+            </a:extLst>
+          </p:cNvPr>
+          <p:cNvSpPr txBox="1"/>
+          <p:nvPr/>
+        </p:nvSpPr>
+        <p:spPr>
+          <a:xfrm>
+            <a:off x="7341481" y="71930"/>
+            <a:ext cx="4572000" cy="523220"/>
+          </a:xfrm>
+          <a:prstGeom prst="rect">
+            <a:avLst/>
+          </a:prstGeom>
+          <a:noFill/>
+        </p:spPr>
+        <p:txBody>
+          <a:bodyPr wrap="square" rtlCol="0">
+            <a:spAutoFit/>
+          </a:bodyPr>
+          <a:lstStyle/>
+          <a:p>
+            <a:r>
+              <a:rPr lang="en-US" altLang="zh-CN" sz="1400" dirty="0" err="1"/>
+              <a:t>beanDefinitionMap</a:t>
+            </a:r>
+            <a:endParaRPr lang="en-US" altLang="zh-CN" sz="1400" dirty="0"/>
+          </a:p>
+          <a:p>
+            <a:r>
+              <a:rPr lang="en-US" altLang="zh-CN" sz="1400" b="1" dirty="0">
+                <a:solidFill>
+                  <a:srgbClr val="FF0000"/>
+                </a:solidFill>
+              </a:rPr>
+              <a:t>(</a:t>
+            </a:r>
+            <a:r>
+              <a:rPr lang="en-US" altLang="zh-CN" sz="1400" b="1" dirty="0" err="1">
+                <a:solidFill>
+                  <a:srgbClr val="FF0000"/>
+                </a:solidFill>
+              </a:rPr>
+              <a:t>key:beanName,value</a:t>
+            </a:r>
+            <a:r>
+              <a:rPr lang="zh-CN" altLang="en-US" sz="1400" b="1" dirty="0">
+                <a:solidFill>
+                  <a:srgbClr val="FF0000"/>
+                </a:solidFill>
+              </a:rPr>
+              <a:t>：</a:t>
+            </a:r>
+            <a:r>
+              <a:rPr lang="en-US" altLang="zh-CN" sz="1400" b="1" dirty="0" err="1">
+                <a:solidFill>
+                  <a:srgbClr val="FF0000"/>
+                </a:solidFill>
+              </a:rPr>
+              <a:t>BeanDefinition</a:t>
+            </a:r>
+            <a:r>
+              <a:rPr lang="zh-CN" altLang="en-US" sz="1400" b="1" dirty="0">
+                <a:solidFill>
+                  <a:srgbClr val="FF0000"/>
+                </a:solidFill>
+              </a:rPr>
+              <a:t>对象</a:t>
+            </a:r>
+            <a:r>
+              <a:rPr lang="en-US" altLang="zh-CN" sz="1400" b="1" dirty="0">
+                <a:solidFill>
+                  <a:srgbClr val="FF0000"/>
+                </a:solidFill>
+              </a:rPr>
+              <a:t>)</a:t>
+            </a:r>
+          </a:p>
+        </p:txBody>
+      </p:sp>
+      <p:cxnSp>
+        <p:nvCxnSpPr>
+          <p:cNvPr id="17" name="直接箭头连接符 16">
+            <a:extLst>
+              <a:ext uri="{FF2B5EF4-FFF2-40B4-BE49-F238E27FC236}">
+                <a16:creationId xmlns:a16="http://schemas.microsoft.com/office/drawing/2014/main" id="{9AD2CB4A-018F-41FF-83EF-2EDEA2F431A9}"/>
+              </a:ext>
+            </a:extLst>
+          </p:cNvPr>
+          <p:cNvCxnSpPr>
+            <a:cxnSpLocks/>
+            <a:stCxn id="10" idx="3"/>
+            <a:endCxn id="11" idx="1"/>
+          </p:cNvCxnSpPr>
+          <p:nvPr/>
+        </p:nvCxnSpPr>
+        <p:spPr>
+          <a:xfrm>
+            <a:off x="5846385" y="761101"/>
+            <a:ext cx="1558155" cy="1283163"/>
+          </a:xfrm>
+          <a:prstGeom prst="straightConnector1">
+            <a:avLst/>
+          </a:prstGeom>
+          <a:ln>
+            <a:tailEnd type="triangle"/>
+          </a:ln>
+        </p:spPr>
+        <p:style>
+          <a:lnRef idx="1">
+            <a:schemeClr val="accent1"/>
+          </a:lnRef>
+          <a:fillRef idx="0">
+            <a:schemeClr val="accent1"/>
+          </a:fillRef>
+          <a:effectRef idx="0">
+            <a:schemeClr val="accent1"/>
+          </a:effectRef>
+          <a:fontRef idx="minor">
+            <a:schemeClr val="tx1"/>
+          </a:fontRef>
+        </p:style>
+      </p:cxnSp>
+      <p:sp>
+        <p:nvSpPr>
+          <p:cNvPr id="18" name="文本框 17">
+            <a:extLst>
+              <a:ext uri="{FF2B5EF4-FFF2-40B4-BE49-F238E27FC236}">
+                <a16:creationId xmlns:a16="http://schemas.microsoft.com/office/drawing/2014/main" id="{88E6F936-4C2A-44A4-BEE7-C26C490D2C21}"/>
+              </a:ext>
+            </a:extLst>
+          </p:cNvPr>
+          <p:cNvSpPr txBox="1"/>
+          <p:nvPr/>
+        </p:nvSpPr>
+        <p:spPr>
+          <a:xfrm>
+            <a:off x="5569134" y="1186661"/>
+            <a:ext cx="2053489" cy="523220"/>
+          </a:xfrm>
+          <a:prstGeom prst="rect">
+            <a:avLst/>
+          </a:prstGeom>
+          <a:noFill/>
+        </p:spPr>
+        <p:txBody>
+          <a:bodyPr wrap="square" rtlCol="0">
+            <a:spAutoFit/>
+          </a:bodyPr>
+          <a:lstStyle/>
+          <a:p>
+            <a:r>
+              <a:rPr lang="en-US" altLang="zh-CN" sz="1400" dirty="0"/>
+              <a:t>@Bean</a:t>
+            </a:r>
+            <a:r>
+              <a:rPr lang="zh-CN" altLang="en-US" sz="1400" dirty="0"/>
+              <a:t>、</a:t>
+            </a:r>
+            <a:r>
+              <a:rPr lang="en-US" altLang="zh-CN" sz="1400" dirty="0"/>
+              <a:t>@Component</a:t>
+            </a:r>
+          </a:p>
+          <a:p>
+            <a:r>
+              <a:rPr lang="en-US" altLang="zh-CN" sz="1400" dirty="0"/>
+              <a:t>@Controller</a:t>
+            </a:r>
+            <a:r>
+              <a:rPr lang="zh-CN" altLang="en-US" sz="1400" dirty="0"/>
+              <a:t>等注解</a:t>
+            </a:r>
+            <a:endParaRPr lang="en-US" altLang="zh-CN" sz="1400" dirty="0"/>
+          </a:p>
+        </p:txBody>
+      </p:sp>
+      <p:sp>
+        <p:nvSpPr>
+          <p:cNvPr id="19" name="矩形 18">
+            <a:extLst>
+              <a:ext uri="{FF2B5EF4-FFF2-40B4-BE49-F238E27FC236}">
+                <a16:creationId xmlns:a16="http://schemas.microsoft.com/office/drawing/2014/main" id="{2BB8E252-0186-4E58-85DD-1262250F5A22}"/>
+              </a:ext>
+            </a:extLst>
+          </p:cNvPr>
+          <p:cNvSpPr/>
+          <p:nvPr/>
+        </p:nvSpPr>
+        <p:spPr>
+          <a:xfrm>
+            <a:off x="7404539" y="4042870"/>
+            <a:ext cx="3552497" cy="2788854"/>
+          </a:xfrm>
+          <a:prstGeom prst="rect">
+            <a:avLst/>
+          </a:prstGeom>
+        </p:spPr>
+        <p:style>
+          <a:lnRef idx="1">
+            <a:schemeClr val="accent5"/>
+          </a:lnRef>
+          <a:fillRef idx="2">
+            <a:schemeClr val="accent5"/>
+          </a:fillRef>
+          <a:effectRef idx="1">
+            <a:schemeClr val="accent5"/>
+          </a:effectRef>
+          <a:fontRef idx="minor">
+            <a:schemeClr val="dk1"/>
+          </a:fontRef>
+        </p:style>
+        <p:txBody>
+          <a:bodyPr rtlCol="0" anchor="ctr"/>
+          <a:lstStyle/>
+          <a:p>
+            <a:pPr algn="ctr"/>
+            <a:endParaRPr lang="zh-CN" altLang="en-US" dirty="0"/>
+          </a:p>
+        </p:txBody>
+      </p:sp>
+      <p:cxnSp>
+        <p:nvCxnSpPr>
+          <p:cNvPr id="20" name="直接箭头连接符 19">
+            <a:extLst>
+              <a:ext uri="{FF2B5EF4-FFF2-40B4-BE49-F238E27FC236}">
+                <a16:creationId xmlns:a16="http://schemas.microsoft.com/office/drawing/2014/main" id="{655B82D3-423E-46FD-B928-CAB875CFDDB8}"/>
+              </a:ext>
+            </a:extLst>
+          </p:cNvPr>
+          <p:cNvCxnSpPr>
+            <a:cxnSpLocks/>
+            <a:stCxn id="11" idx="2"/>
+            <a:endCxn id="19" idx="0"/>
+          </p:cNvCxnSpPr>
+          <p:nvPr/>
+        </p:nvCxnSpPr>
+        <p:spPr>
+          <a:xfrm flipH="1">
+            <a:off x="9180788" y="3415864"/>
+            <a:ext cx="1" cy="627006"/>
+          </a:xfrm>
+          <a:prstGeom prst="straightConnector1">
+            <a:avLst/>
+          </a:prstGeom>
+          <a:ln>
+            <a:prstDash val="lgDash"/>
+            <a:tailEnd type="triangle"/>
+          </a:ln>
+        </p:spPr>
+        <p:style>
+          <a:lnRef idx="1">
+            <a:schemeClr val="accent1"/>
+          </a:lnRef>
+          <a:fillRef idx="0">
+            <a:schemeClr val="accent1"/>
+          </a:fillRef>
+          <a:effectRef idx="0">
+            <a:schemeClr val="accent1"/>
+          </a:effectRef>
+          <a:fontRef idx="minor">
+            <a:schemeClr val="tx1"/>
+          </a:fontRef>
+        </p:style>
+      </p:cxnSp>
+      <p:sp>
+        <p:nvSpPr>
+          <p:cNvPr id="21" name="文本框 20">
+            <a:extLst>
+              <a:ext uri="{FF2B5EF4-FFF2-40B4-BE49-F238E27FC236}">
+                <a16:creationId xmlns:a16="http://schemas.microsoft.com/office/drawing/2014/main" id="{4D4D8A45-0C8C-465C-AE8F-27A8AC888BB9}"/>
+              </a:ext>
+            </a:extLst>
+          </p:cNvPr>
+          <p:cNvSpPr txBox="1"/>
+          <p:nvPr/>
+        </p:nvSpPr>
+        <p:spPr>
+          <a:xfrm>
+            <a:off x="7341481" y="3691408"/>
+            <a:ext cx="3413233" cy="307777"/>
+          </a:xfrm>
+          <a:prstGeom prst="rect">
+            <a:avLst/>
+          </a:prstGeom>
+          <a:noFill/>
+        </p:spPr>
+        <p:txBody>
+          <a:bodyPr wrap="square" rtlCol="0">
+            <a:spAutoFit/>
+          </a:bodyPr>
+          <a:lstStyle/>
+          <a:p>
+            <a:r>
+              <a:rPr lang="zh-CN" altLang="en-US" sz="1400" dirty="0"/>
+              <a:t>单个</a:t>
+            </a:r>
+            <a:r>
+              <a:rPr lang="en-US" altLang="zh-CN" sz="1400" dirty="0" err="1"/>
+              <a:t>BeanDefinition</a:t>
+            </a:r>
+            <a:r>
+              <a:rPr lang="zh-CN" altLang="en-US" sz="1400" dirty="0"/>
+              <a:t>对象的结构</a:t>
+            </a:r>
+          </a:p>
+        </p:txBody>
+      </p:sp>
+      <p:sp>
+        <p:nvSpPr>
+          <p:cNvPr id="22" name="矩形 21">
+            <a:extLst>
+              <a:ext uri="{FF2B5EF4-FFF2-40B4-BE49-F238E27FC236}">
+                <a16:creationId xmlns:a16="http://schemas.microsoft.com/office/drawing/2014/main" id="{F23224FC-B8CE-4202-895D-8F2394117584}"/>
+              </a:ext>
+            </a:extLst>
+          </p:cNvPr>
+          <p:cNvSpPr/>
+          <p:nvPr/>
+        </p:nvSpPr>
+        <p:spPr>
+          <a:xfrm>
+            <a:off x="7572714" y="4174250"/>
+            <a:ext cx="1489840" cy="451945"/>
+          </a:xfrm>
+          <a:prstGeom prst="rect">
+            <a:avLst/>
+          </a:prstGeom>
+        </p:spPr>
+        <p:style>
+          <a:lnRef idx="1">
+            <a:schemeClr val="accent6"/>
+          </a:lnRef>
+          <a:fillRef idx="2">
+            <a:schemeClr val="accent6"/>
+          </a:fillRef>
+          <a:effectRef idx="1">
+            <a:schemeClr val="accent6"/>
+          </a:effectRef>
+          <a:fontRef idx="minor">
+            <a:schemeClr val="dk1"/>
+          </a:fontRef>
+        </p:style>
+        <p:txBody>
+          <a:bodyPr rtlCol="0" anchor="ctr"/>
+          <a:lstStyle/>
+          <a:p>
+            <a:pPr algn="ctr"/>
+            <a:r>
+              <a:rPr lang="en-US" altLang="zh-CN" dirty="0"/>
+              <a:t>class</a:t>
+            </a:r>
+            <a:endParaRPr lang="zh-CN" altLang="en-US" dirty="0"/>
+          </a:p>
+        </p:txBody>
+      </p:sp>
+      <p:sp>
+        <p:nvSpPr>
+          <p:cNvPr id="23" name="矩形 22">
+            <a:extLst>
+              <a:ext uri="{FF2B5EF4-FFF2-40B4-BE49-F238E27FC236}">
+                <a16:creationId xmlns:a16="http://schemas.microsoft.com/office/drawing/2014/main" id="{FC7C05D3-3B95-4638-AFAC-A35056CB1BF7}"/>
+              </a:ext>
+            </a:extLst>
+          </p:cNvPr>
+          <p:cNvSpPr/>
+          <p:nvPr/>
+        </p:nvSpPr>
+        <p:spPr>
+          <a:xfrm>
+            <a:off x="9272776" y="4154214"/>
+            <a:ext cx="1489838" cy="451945"/>
+          </a:xfrm>
+          <a:prstGeom prst="rect">
+            <a:avLst/>
+          </a:prstGeom>
+        </p:spPr>
+        <p:style>
+          <a:lnRef idx="1">
+            <a:schemeClr val="accent2"/>
+          </a:lnRef>
+          <a:fillRef idx="2">
+            <a:schemeClr val="accent2"/>
+          </a:fillRef>
+          <a:effectRef idx="1">
+            <a:schemeClr val="accent2"/>
+          </a:effectRef>
+          <a:fontRef idx="minor">
+            <a:schemeClr val="dk1"/>
+          </a:fontRef>
+        </p:style>
+        <p:txBody>
+          <a:bodyPr rtlCol="0" anchor="ctr"/>
+          <a:lstStyle/>
+          <a:p>
+            <a:pPr algn="ctr"/>
+            <a:r>
+              <a:rPr lang="en-US" altLang="zh-CN" dirty="0"/>
+              <a:t>scope</a:t>
+            </a:r>
+            <a:endParaRPr lang="zh-CN" altLang="en-US" dirty="0"/>
+          </a:p>
+        </p:txBody>
+      </p:sp>
+      <p:sp>
+        <p:nvSpPr>
+          <p:cNvPr id="24" name="矩形 23">
+            <a:extLst>
+              <a:ext uri="{FF2B5EF4-FFF2-40B4-BE49-F238E27FC236}">
+                <a16:creationId xmlns:a16="http://schemas.microsoft.com/office/drawing/2014/main" id="{2CCCA105-79F1-44EE-8959-0B3E1EA72C3B}"/>
+              </a:ext>
+            </a:extLst>
+          </p:cNvPr>
+          <p:cNvSpPr/>
+          <p:nvPr/>
+        </p:nvSpPr>
+        <p:spPr>
+          <a:xfrm>
+            <a:off x="7572714" y="4686302"/>
+            <a:ext cx="1773619" cy="451945"/>
+          </a:xfrm>
+          <a:prstGeom prst="rect">
+            <a:avLst/>
+          </a:prstGeom>
+        </p:spPr>
+        <p:style>
+          <a:lnRef idx="1">
+            <a:schemeClr val="accent6"/>
+          </a:lnRef>
+          <a:fillRef idx="2">
+            <a:schemeClr val="accent6"/>
+          </a:fillRef>
+          <a:effectRef idx="1">
+            <a:schemeClr val="accent6"/>
+          </a:effectRef>
+          <a:fontRef idx="minor">
+            <a:schemeClr val="dk1"/>
+          </a:fontRef>
+        </p:style>
+        <p:txBody>
+          <a:bodyPr rtlCol="0" anchor="ctr"/>
+          <a:lstStyle/>
+          <a:p>
+            <a:pPr algn="ctr"/>
+            <a:r>
+              <a:rPr lang="en-US" altLang="zh-CN" dirty="0" err="1"/>
+              <a:t>autowireMode</a:t>
+            </a:r>
+            <a:endParaRPr lang="zh-CN" altLang="en-US" dirty="0"/>
+          </a:p>
+        </p:txBody>
+      </p:sp>
+      <p:sp>
+        <p:nvSpPr>
+          <p:cNvPr id="25" name="矩形 24">
+            <a:extLst>
+              <a:ext uri="{FF2B5EF4-FFF2-40B4-BE49-F238E27FC236}">
+                <a16:creationId xmlns:a16="http://schemas.microsoft.com/office/drawing/2014/main" id="{D7C70BFB-A3C5-4A2A-AFF5-BC22F2303652}"/>
+              </a:ext>
+            </a:extLst>
+          </p:cNvPr>
+          <p:cNvSpPr/>
+          <p:nvPr/>
+        </p:nvSpPr>
+        <p:spPr>
+          <a:xfrm>
+            <a:off x="9413346" y="4674455"/>
+            <a:ext cx="1349268" cy="451945"/>
+          </a:xfrm>
+          <a:prstGeom prst="rect">
+            <a:avLst/>
+          </a:prstGeom>
+        </p:spPr>
+        <p:style>
+          <a:lnRef idx="1">
+            <a:schemeClr val="accent2"/>
+          </a:lnRef>
+          <a:fillRef idx="2">
+            <a:schemeClr val="accent2"/>
+          </a:fillRef>
+          <a:effectRef idx="1">
+            <a:schemeClr val="accent2"/>
+          </a:effectRef>
+          <a:fontRef idx="minor">
+            <a:schemeClr val="dk1"/>
+          </a:fontRef>
+        </p:style>
+        <p:txBody>
+          <a:bodyPr rtlCol="0" anchor="ctr"/>
+          <a:lstStyle/>
+          <a:p>
+            <a:pPr algn="ctr"/>
+            <a:r>
+              <a:rPr lang="en-US" altLang="zh-CN" dirty="0" err="1"/>
+              <a:t>lazyInit</a:t>
+            </a:r>
+            <a:endParaRPr lang="zh-CN" altLang="en-US" dirty="0"/>
+          </a:p>
+        </p:txBody>
+      </p:sp>
+      <p:sp>
+        <p:nvSpPr>
+          <p:cNvPr id="26" name="矩形 25">
+            <a:extLst>
+              <a:ext uri="{FF2B5EF4-FFF2-40B4-BE49-F238E27FC236}">
+                <a16:creationId xmlns:a16="http://schemas.microsoft.com/office/drawing/2014/main" id="{31F781F4-EEC8-4D2D-97A1-AD1E5F32F19F}"/>
+              </a:ext>
+            </a:extLst>
+          </p:cNvPr>
+          <p:cNvSpPr/>
+          <p:nvPr/>
+        </p:nvSpPr>
+        <p:spPr>
+          <a:xfrm>
+            <a:off x="7572714" y="5221349"/>
+            <a:ext cx="1773619" cy="451945"/>
+          </a:xfrm>
+          <a:prstGeom prst="rect">
+            <a:avLst/>
+          </a:prstGeom>
+        </p:spPr>
+        <p:style>
+          <a:lnRef idx="1">
+            <a:schemeClr val="accent2"/>
+          </a:lnRef>
+          <a:fillRef idx="2">
+            <a:schemeClr val="accent2"/>
+          </a:fillRef>
+          <a:effectRef idx="1">
+            <a:schemeClr val="accent2"/>
+          </a:effectRef>
+          <a:fontRef idx="minor">
+            <a:schemeClr val="dk1"/>
+          </a:fontRef>
+        </p:style>
+        <p:txBody>
+          <a:bodyPr rtlCol="0" anchor="ctr"/>
+          <a:lstStyle/>
+          <a:p>
+            <a:pPr algn="ctr"/>
+            <a:r>
+              <a:rPr lang="en-US" altLang="zh-CN" dirty="0" err="1"/>
+              <a:t>abstractFlag</a:t>
+            </a:r>
+            <a:endParaRPr lang="zh-CN" altLang="en-US" dirty="0"/>
+          </a:p>
+        </p:txBody>
+      </p:sp>
+      <p:sp>
+        <p:nvSpPr>
+          <p:cNvPr id="27" name="矩形 26">
+            <a:extLst>
+              <a:ext uri="{FF2B5EF4-FFF2-40B4-BE49-F238E27FC236}">
+                <a16:creationId xmlns:a16="http://schemas.microsoft.com/office/drawing/2014/main" id="{798E9982-86A0-4611-9525-796504B52F12}"/>
+              </a:ext>
+            </a:extLst>
+          </p:cNvPr>
+          <p:cNvSpPr/>
+          <p:nvPr/>
+        </p:nvSpPr>
+        <p:spPr>
+          <a:xfrm>
+            <a:off x="9413346" y="5218726"/>
+            <a:ext cx="1349268" cy="451945"/>
+          </a:xfrm>
+          <a:prstGeom prst="rect">
+            <a:avLst/>
+          </a:prstGeom>
+        </p:spPr>
+        <p:style>
+          <a:lnRef idx="1">
+            <a:schemeClr val="accent2"/>
+          </a:lnRef>
+          <a:fillRef idx="2">
+            <a:schemeClr val="accent2"/>
+          </a:fillRef>
+          <a:effectRef idx="1">
+            <a:schemeClr val="accent2"/>
+          </a:effectRef>
+          <a:fontRef idx="minor">
+            <a:schemeClr val="dk1"/>
+          </a:fontRef>
+        </p:style>
+        <p:txBody>
+          <a:bodyPr rtlCol="0" anchor="ctr"/>
+          <a:lstStyle/>
+          <a:p>
+            <a:pPr algn="ctr"/>
+            <a:r>
+              <a:rPr lang="en-US" altLang="zh-CN" dirty="0" err="1"/>
+              <a:t>dependson</a:t>
+            </a:r>
+            <a:endParaRPr lang="zh-CN" altLang="en-US" dirty="0"/>
+          </a:p>
+        </p:txBody>
+      </p:sp>
+      <p:sp>
+        <p:nvSpPr>
+          <p:cNvPr id="28" name="矩形 27">
+            <a:extLst>
+              <a:ext uri="{FF2B5EF4-FFF2-40B4-BE49-F238E27FC236}">
+                <a16:creationId xmlns:a16="http://schemas.microsoft.com/office/drawing/2014/main" id="{3B3121FC-DFD3-4019-BE5E-FEDE0916DA85}"/>
+              </a:ext>
+            </a:extLst>
+          </p:cNvPr>
+          <p:cNvSpPr/>
+          <p:nvPr/>
+        </p:nvSpPr>
+        <p:spPr>
+          <a:xfrm>
+            <a:off x="7577975" y="5753073"/>
+            <a:ext cx="3184639" cy="451945"/>
+          </a:xfrm>
+          <a:prstGeom prst="rect">
+            <a:avLst/>
+          </a:prstGeom>
+        </p:spPr>
+        <p:style>
+          <a:lnRef idx="1">
+            <a:schemeClr val="accent6"/>
+          </a:lnRef>
+          <a:fillRef idx="2">
+            <a:schemeClr val="accent6"/>
+          </a:fillRef>
+          <a:effectRef idx="1">
+            <a:schemeClr val="accent6"/>
+          </a:effectRef>
+          <a:fontRef idx="minor">
+            <a:schemeClr val="dk1"/>
+          </a:fontRef>
+        </p:style>
+        <p:txBody>
+          <a:bodyPr rtlCol="0" anchor="ctr"/>
+          <a:lstStyle/>
+          <a:p>
+            <a:pPr algn="ctr"/>
+            <a:r>
+              <a:rPr lang="en-US" altLang="zh-CN" dirty="0" err="1"/>
+              <a:t>constructorArgumentValues</a:t>
+            </a:r>
+            <a:endParaRPr lang="zh-CN" altLang="en-US" dirty="0"/>
+          </a:p>
+        </p:txBody>
+      </p:sp>
+      <p:sp>
+        <p:nvSpPr>
+          <p:cNvPr id="29" name="矩形 28">
+            <a:extLst>
+              <a:ext uri="{FF2B5EF4-FFF2-40B4-BE49-F238E27FC236}">
+                <a16:creationId xmlns:a16="http://schemas.microsoft.com/office/drawing/2014/main" id="{C069F5E7-F498-429B-8235-38DC7E1E5763}"/>
+              </a:ext>
+            </a:extLst>
+          </p:cNvPr>
+          <p:cNvSpPr/>
+          <p:nvPr/>
+        </p:nvSpPr>
+        <p:spPr>
+          <a:xfrm>
+            <a:off x="7588467" y="6292996"/>
+            <a:ext cx="3184639" cy="451945"/>
+          </a:xfrm>
+          <a:prstGeom prst="rect">
+            <a:avLst/>
+          </a:prstGeom>
+        </p:spPr>
+        <p:style>
+          <a:lnRef idx="1">
+            <a:schemeClr val="accent2"/>
+          </a:lnRef>
+          <a:fillRef idx="2">
+            <a:schemeClr val="accent2"/>
+          </a:fillRef>
+          <a:effectRef idx="1">
+            <a:schemeClr val="accent2"/>
+          </a:effectRef>
+          <a:fontRef idx="minor">
+            <a:schemeClr val="dk1"/>
+          </a:fontRef>
+        </p:style>
+        <p:txBody>
+          <a:bodyPr rot="0" spcFirstLastPara="0" vertOverflow="overflow" horzOverflow="overflow" vert="horz" wrap="square" lIns="91440" tIns="45720" rIns="91440" bIns="45720" numCol="1" spcCol="0" rtlCol="0" fromWordArt="0" anchor="ctr" anchorCtr="0" forceAA="0" compatLnSpc="1">
+            <a:prstTxWarp prst="textNoShape">
+              <a:avLst/>
+            </a:prstTxWarp>
+            <a:noAutofit/>
+          </a:bodyPr>
+          <a:lstStyle/>
+          <a:p>
+            <a:pPr algn="ctr"/>
+            <a:r>
+              <a:rPr lang="en-US" altLang="zh-CN" dirty="0"/>
+              <a:t>……</a:t>
+            </a:r>
+            <a:r>
+              <a:rPr lang="zh-CN" altLang="en-US" dirty="0"/>
+              <a:t>其他属性</a:t>
+            </a:r>
+          </a:p>
+        </p:txBody>
+      </p:sp>
+      <p:sp>
+        <p:nvSpPr>
+          <p:cNvPr id="30" name="矩形 29">
+            <a:extLst>
+              <a:ext uri="{FF2B5EF4-FFF2-40B4-BE49-F238E27FC236}">
+                <a16:creationId xmlns:a16="http://schemas.microsoft.com/office/drawing/2014/main" id="{F3461D53-C78D-489C-ADD7-BB215B1AF740}"/>
+              </a:ext>
+            </a:extLst>
+          </p:cNvPr>
+          <p:cNvSpPr/>
+          <p:nvPr/>
+        </p:nvSpPr>
+        <p:spPr>
+          <a:xfrm>
+            <a:off x="4061518" y="2175641"/>
+            <a:ext cx="3007430" cy="627000"/>
+          </a:xfrm>
+          <a:prstGeom prst="rect">
+            <a:avLst/>
+          </a:prstGeom>
+        </p:spPr>
+        <p:style>
+          <a:lnRef idx="1">
+            <a:schemeClr val="accent5"/>
+          </a:lnRef>
+          <a:fillRef idx="2">
+            <a:schemeClr val="accent5"/>
+          </a:fillRef>
+          <a:effectRef idx="1">
+            <a:schemeClr val="accent5"/>
+          </a:effectRef>
+          <a:fontRef idx="minor">
+            <a:schemeClr val="dk1"/>
+          </a:fontRef>
+        </p:style>
+        <p:txBody>
+          <a:bodyPr rtlCol="0" anchor="ctr"/>
+          <a:lstStyle/>
+          <a:p>
+            <a:pPr algn="ctr"/>
+            <a:r>
+              <a:rPr lang="en-US" altLang="zh-CN" dirty="0" err="1"/>
+              <a:t>BeanFactoryPostProcessor</a:t>
+            </a:r>
+            <a:endParaRPr lang="zh-CN" altLang="en-US" dirty="0"/>
+          </a:p>
+        </p:txBody>
+      </p:sp>
+      <p:sp>
+        <p:nvSpPr>
+          <p:cNvPr id="31" name="矩形 30">
+            <a:extLst>
+              <a:ext uri="{FF2B5EF4-FFF2-40B4-BE49-F238E27FC236}">
+                <a16:creationId xmlns:a16="http://schemas.microsoft.com/office/drawing/2014/main" id="{B104D7C2-50B8-47C8-8A57-3B428BE0081E}"/>
+              </a:ext>
+            </a:extLst>
+          </p:cNvPr>
+          <p:cNvSpPr/>
+          <p:nvPr/>
+        </p:nvSpPr>
+        <p:spPr>
+          <a:xfrm>
+            <a:off x="315313" y="3999185"/>
+            <a:ext cx="4685736" cy="655586"/>
+          </a:xfrm>
+          <a:prstGeom prst="rect">
+            <a:avLst/>
+          </a:prstGeom>
+        </p:spPr>
+        <p:style>
+          <a:lnRef idx="1">
+            <a:schemeClr val="accent5"/>
+          </a:lnRef>
+          <a:fillRef idx="2">
+            <a:schemeClr val="accent5"/>
+          </a:fillRef>
+          <a:effectRef idx="1">
+            <a:schemeClr val="accent5"/>
+          </a:effectRef>
+          <a:fontRef idx="minor">
+            <a:schemeClr val="dk1"/>
+          </a:fontRef>
+        </p:style>
+        <p:txBody>
+          <a:bodyPr rtlCol="0" anchor="ctr"/>
+          <a:lstStyle/>
+          <a:p>
+            <a:pPr algn="ctr"/>
+            <a:r>
+              <a:rPr lang="en-US" altLang="zh-CN"/>
+              <a:t>beanFactory.preInstantiateSingletons()</a:t>
+            </a:r>
+            <a:endParaRPr lang="zh-CN" altLang="en-US" dirty="0"/>
+          </a:p>
+        </p:txBody>
+      </p:sp>
+      <p:sp>
+        <p:nvSpPr>
+          <p:cNvPr id="32" name="矩形 31">
+            <a:extLst>
+              <a:ext uri="{FF2B5EF4-FFF2-40B4-BE49-F238E27FC236}">
+                <a16:creationId xmlns:a16="http://schemas.microsoft.com/office/drawing/2014/main" id="{CE3D6817-FF23-4ADF-BBFA-BCE9C0417E45}"/>
+              </a:ext>
+            </a:extLst>
+          </p:cNvPr>
+          <p:cNvSpPr/>
+          <p:nvPr/>
+        </p:nvSpPr>
+        <p:spPr>
+          <a:xfrm>
+            <a:off x="315312" y="4953483"/>
+            <a:ext cx="4699583" cy="834602"/>
+          </a:xfrm>
+          <a:prstGeom prst="rect">
+            <a:avLst/>
+          </a:prstGeom>
+        </p:spPr>
+        <p:style>
+          <a:lnRef idx="1">
+            <a:schemeClr val="accent5"/>
+          </a:lnRef>
+          <a:fillRef idx="2">
+            <a:schemeClr val="accent5"/>
+          </a:fillRef>
+          <a:effectRef idx="1">
+            <a:schemeClr val="accent5"/>
+          </a:effectRef>
+          <a:fontRef idx="minor">
+            <a:schemeClr val="dk1"/>
+          </a:fontRef>
+        </p:style>
+        <p:txBody>
+          <a:bodyPr rtlCol="0" anchor="ctr"/>
+          <a:lstStyle/>
+          <a:p>
+            <a:pPr algn="just"/>
+            <a:r>
+              <a:rPr lang="zh-CN" altLang="en-US" dirty="0"/>
+              <a:t>循环从</a:t>
+            </a:r>
+            <a:r>
+              <a:rPr lang="en-US" altLang="zh-CN" dirty="0" err="1"/>
+              <a:t>beanDefinitionMap</a:t>
+            </a:r>
+            <a:r>
+              <a:rPr lang="zh-CN" altLang="en-US" dirty="0"/>
+              <a:t>取出</a:t>
+            </a:r>
+            <a:r>
+              <a:rPr lang="en-US" altLang="zh-CN" dirty="0" err="1"/>
+              <a:t>BeanDefinition</a:t>
+            </a:r>
+            <a:r>
+              <a:rPr lang="zh-CN" altLang="en-US" dirty="0"/>
+              <a:t>对象，进行具体业务对象的创建</a:t>
+            </a:r>
+            <a:r>
+              <a:rPr lang="en-US" altLang="zh-CN" dirty="0"/>
+              <a:t>+</a:t>
+            </a:r>
+            <a:r>
+              <a:rPr lang="zh-CN" altLang="en-US" dirty="0"/>
+              <a:t>实例化</a:t>
+            </a:r>
+          </a:p>
+        </p:txBody>
+      </p:sp>
+      <p:sp>
+        <p:nvSpPr>
+          <p:cNvPr id="33" name="矩形 32">
+            <a:extLst>
+              <a:ext uri="{FF2B5EF4-FFF2-40B4-BE49-F238E27FC236}">
+                <a16:creationId xmlns:a16="http://schemas.microsoft.com/office/drawing/2014/main" id="{CD075471-7D82-4120-96E0-10DC5459C2F0}"/>
+              </a:ext>
+            </a:extLst>
+          </p:cNvPr>
+          <p:cNvSpPr/>
+          <p:nvPr/>
+        </p:nvSpPr>
+        <p:spPr>
+          <a:xfrm>
+            <a:off x="315312" y="6093687"/>
+            <a:ext cx="4699583" cy="668988"/>
+          </a:xfrm>
+          <a:prstGeom prst="rect">
+            <a:avLst/>
+          </a:prstGeom>
+        </p:spPr>
+        <p:style>
+          <a:lnRef idx="1">
+            <a:schemeClr val="accent5"/>
+          </a:lnRef>
+          <a:fillRef idx="2">
+            <a:schemeClr val="accent5"/>
+          </a:fillRef>
+          <a:effectRef idx="1">
+            <a:schemeClr val="accent5"/>
+          </a:effectRef>
+          <a:fontRef idx="minor">
+            <a:schemeClr val="dk1"/>
+          </a:fontRef>
+        </p:style>
+        <p:txBody>
+          <a:bodyPr rtlCol="0" anchor="ctr"/>
+          <a:lstStyle/>
+          <a:p>
+            <a:pPr algn="just"/>
+            <a:r>
+              <a:rPr lang="zh-CN" altLang="en-US" dirty="0"/>
+              <a:t>将创建的业务对象放入单例缓存</a:t>
+            </a:r>
+            <a:r>
+              <a:rPr lang="en-US" altLang="zh-CN" dirty="0"/>
+              <a:t>Map</a:t>
+            </a:r>
+            <a:endParaRPr lang="zh-CN" altLang="en-US" dirty="0"/>
+          </a:p>
+        </p:txBody>
+      </p:sp>
+      <p:cxnSp>
+        <p:nvCxnSpPr>
+          <p:cNvPr id="34" name="连接符: 曲线 33">
+            <a:extLst>
+              <a:ext uri="{FF2B5EF4-FFF2-40B4-BE49-F238E27FC236}">
+                <a16:creationId xmlns:a16="http://schemas.microsoft.com/office/drawing/2014/main" id="{17DA30D4-BB0D-4558-B12E-4A97566A9317}"/>
+              </a:ext>
+            </a:extLst>
+          </p:cNvPr>
+          <p:cNvCxnSpPr>
+            <a:cxnSpLocks/>
+            <a:endCxn id="31" idx="3"/>
+          </p:cNvCxnSpPr>
+          <p:nvPr/>
+        </p:nvCxnSpPr>
+        <p:spPr>
+          <a:xfrm rot="10800000" flipV="1">
+            <a:off x="5001049" y="3234558"/>
+            <a:ext cx="2438000" cy="1092419"/>
+          </a:xfrm>
+          <a:prstGeom prst="curvedConnector3">
+            <a:avLst>
+              <a:gd name="adj1" fmla="val 50000"/>
+            </a:avLst>
+          </a:prstGeom>
+          <a:ln>
+            <a:tailEnd type="triangle"/>
+          </a:ln>
+        </p:spPr>
+        <p:style>
+          <a:lnRef idx="1">
+            <a:schemeClr val="accent1"/>
+          </a:lnRef>
+          <a:fillRef idx="0">
+            <a:schemeClr val="accent1"/>
+          </a:fillRef>
+          <a:effectRef idx="0">
+            <a:schemeClr val="accent1"/>
+          </a:effectRef>
+          <a:fontRef idx="minor">
+            <a:schemeClr val="tx1"/>
+          </a:fontRef>
+        </p:style>
+      </p:cxnSp>
+      <p:cxnSp>
+        <p:nvCxnSpPr>
+          <p:cNvPr id="35" name="直接箭头连接符 34">
+            <a:extLst>
+              <a:ext uri="{FF2B5EF4-FFF2-40B4-BE49-F238E27FC236}">
+                <a16:creationId xmlns:a16="http://schemas.microsoft.com/office/drawing/2014/main" id="{1AE2CA03-EDB9-4D1A-90FA-2853DF3AC37A}"/>
+              </a:ext>
+            </a:extLst>
+          </p:cNvPr>
+          <p:cNvCxnSpPr>
+            <a:stCxn id="31" idx="2"/>
+            <a:endCxn id="32" idx="0"/>
+          </p:cNvCxnSpPr>
+          <p:nvPr/>
+        </p:nvCxnSpPr>
+        <p:spPr>
+          <a:xfrm>
+            <a:off x="2658181" y="4654771"/>
+            <a:ext cx="6923" cy="298712"/>
+          </a:xfrm>
+          <a:prstGeom prst="straightConnector1">
+            <a:avLst/>
+          </a:prstGeom>
+          <a:ln>
+            <a:tailEnd type="triangle"/>
+          </a:ln>
+        </p:spPr>
+        <p:style>
+          <a:lnRef idx="1">
+            <a:schemeClr val="accent1"/>
+          </a:lnRef>
+          <a:fillRef idx="0">
+            <a:schemeClr val="accent1"/>
+          </a:fillRef>
+          <a:effectRef idx="0">
+            <a:schemeClr val="accent1"/>
+          </a:effectRef>
+          <a:fontRef idx="minor">
+            <a:schemeClr val="tx1"/>
+          </a:fontRef>
+        </p:style>
+      </p:cxnSp>
+      <p:cxnSp>
+        <p:nvCxnSpPr>
+          <p:cNvPr id="36" name="直接箭头连接符 35">
+            <a:extLst>
+              <a:ext uri="{FF2B5EF4-FFF2-40B4-BE49-F238E27FC236}">
+                <a16:creationId xmlns:a16="http://schemas.microsoft.com/office/drawing/2014/main" id="{C37C7AB0-9DAD-4CF5-83D3-5449ED4FD58E}"/>
+              </a:ext>
+            </a:extLst>
+          </p:cNvPr>
+          <p:cNvCxnSpPr>
+            <a:stCxn id="32" idx="2"/>
+            <a:endCxn id="33" idx="0"/>
+          </p:cNvCxnSpPr>
+          <p:nvPr/>
+        </p:nvCxnSpPr>
+        <p:spPr>
+          <a:xfrm>
+            <a:off x="2665104" y="5788085"/>
+            <a:ext cx="0" cy="305602"/>
+          </a:xfrm>
+          <a:prstGeom prst="straightConnector1">
+            <a:avLst/>
+          </a:prstGeom>
+          <a:ln>
+            <a:tailEnd type="triangle"/>
+          </a:ln>
+        </p:spPr>
+        <p:style>
+          <a:lnRef idx="1">
+            <a:schemeClr val="accent1"/>
+          </a:lnRef>
+          <a:fillRef idx="0">
+            <a:schemeClr val="accent1"/>
+          </a:fillRef>
+          <a:effectRef idx="0">
+            <a:schemeClr val="accent1"/>
+          </a:effectRef>
+          <a:fontRef idx="minor">
+            <a:schemeClr val="tx1"/>
+          </a:fontRef>
+        </p:style>
+      </p:cxnSp>
+      <p:cxnSp>
+        <p:nvCxnSpPr>
+          <p:cNvPr id="37" name="直接箭头连接符 36">
+            <a:extLst>
+              <a:ext uri="{FF2B5EF4-FFF2-40B4-BE49-F238E27FC236}">
+                <a16:creationId xmlns:a16="http://schemas.microsoft.com/office/drawing/2014/main" id="{1852E1B2-1A30-4A3A-9E06-572F06B1170C}"/>
+              </a:ext>
+            </a:extLst>
+          </p:cNvPr>
+          <p:cNvCxnSpPr>
+            <a:cxnSpLocks/>
+            <a:stCxn id="30" idx="2"/>
+          </p:cNvCxnSpPr>
+          <p:nvPr/>
+        </p:nvCxnSpPr>
+        <p:spPr>
+          <a:xfrm>
+            <a:off x="5565233" y="2802641"/>
+            <a:ext cx="670013" cy="888767"/>
+          </a:xfrm>
+          <a:prstGeom prst="straightConnector1">
+            <a:avLst/>
+          </a:prstGeom>
+          <a:ln>
+            <a:tailEnd type="triangle"/>
+          </a:ln>
+        </p:spPr>
+        <p:style>
+          <a:lnRef idx="1">
+            <a:schemeClr val="accent1"/>
+          </a:lnRef>
+          <a:fillRef idx="0">
+            <a:schemeClr val="accent1"/>
+          </a:fillRef>
+          <a:effectRef idx="0">
+            <a:schemeClr val="accent1"/>
+          </a:effectRef>
+          <a:fontRef idx="minor">
+            <a:schemeClr val="tx1"/>
+          </a:fontRef>
+        </p:style>
+      </p:cxnSp>
+    </p:spTree>
+    <p:extLst>
+      <p:ext uri="{BB962C8B-B14F-4D97-AF65-F5344CB8AC3E}">
+        <p14:creationId xmlns:p14="http://schemas.microsoft.com/office/powerpoint/2010/main" val="3989259850"/>
+      </p:ext>
+    </p:extLst>
+  </p:cSld>
+  <p:clrMapOvr>
+    <a:masterClrMapping/>
+  </p:clrMapOvr>
+</p:sld>
+</file>
+
+<file path=ppt/slides/slide3.xml><?xml version="1.0" encoding="utf-8"?>
+<p:sld xmlns:a="http://schemas.openxmlformats.org/drawingml/2006/main" xmlns:r="http://schemas.openxmlformats.org/officeDocument/2006/relationships" xmlns:p="http://schemas.openxmlformats.org/presentationml/2006/main">
+  <p:cSld>
+    <p:spTree>
+      <p:nvGrpSpPr>
+        <p:cNvPr id="1" name=""/>
+        <p:cNvGrpSpPr/>
+        <p:nvPr/>
+      </p:nvGrpSpPr>
+      <p:grpSpPr>
+        <a:xfrm>
+          <a:off x="0" y="0"/>
+          <a:ext cx="0" cy="0"/>
+          <a:chOff x="0" y="0"/>
+          <a:chExt cx="0" cy="0"/>
+        </a:xfrm>
+      </p:grpSpPr>
+      <p:cxnSp>
+        <p:nvCxnSpPr>
+          <p:cNvPr id="4" name="直接箭头连接符 3">
+            <a:extLst>
+              <a:ext uri="{FF2B5EF4-FFF2-40B4-BE49-F238E27FC236}">
+                <a16:creationId xmlns:a16="http://schemas.microsoft.com/office/drawing/2014/main" id="{E5A982CB-E4DA-46C8-BE1F-ECF8CF04BBCD}"/>
+              </a:ext>
+            </a:extLst>
+          </p:cNvPr>
+          <p:cNvCxnSpPr>
+            <a:cxnSpLocks/>
+            <a:stCxn id="5" idx="6"/>
+            <a:endCxn id="9" idx="1"/>
+          </p:cNvCxnSpPr>
+          <p:nvPr/>
+        </p:nvCxnSpPr>
+        <p:spPr>
+          <a:xfrm>
+            <a:off x="620109" y="2514272"/>
+            <a:ext cx="1405878" cy="0"/>
+          </a:xfrm>
+          <a:prstGeom prst="straightConnector1">
+            <a:avLst/>
+          </a:prstGeom>
+          <a:ln>
+            <a:tailEnd type="triangle"/>
+          </a:ln>
+        </p:spPr>
+        <p:style>
+          <a:lnRef idx="1">
+            <a:schemeClr val="accent1"/>
+          </a:lnRef>
+          <a:fillRef idx="0">
+            <a:schemeClr val="accent1"/>
+          </a:fillRef>
+          <a:effectRef idx="0">
+            <a:schemeClr val="accent1"/>
+          </a:effectRef>
+          <a:fontRef idx="minor">
+            <a:schemeClr val="tx1"/>
+          </a:fontRef>
+        </p:style>
+      </p:cxnSp>
+      <p:sp>
+        <p:nvSpPr>
+          <p:cNvPr id="5" name="椭圆 4">
+            <a:extLst>
+              <a:ext uri="{FF2B5EF4-FFF2-40B4-BE49-F238E27FC236}">
+                <a16:creationId xmlns:a16="http://schemas.microsoft.com/office/drawing/2014/main" id="{C43D3327-613C-40D9-AD2F-E24554669F80}"/>
+              </a:ext>
+            </a:extLst>
+          </p:cNvPr>
+          <p:cNvSpPr/>
+          <p:nvPr/>
+        </p:nvSpPr>
+        <p:spPr>
+          <a:xfrm>
+            <a:off x="399391" y="2403913"/>
+            <a:ext cx="220718" cy="220718"/>
+          </a:xfrm>
+          <a:prstGeom prst="ellipse">
+            <a:avLst/>
+          </a:prstGeom>
+        </p:spPr>
+        <p:style>
+          <a:lnRef idx="2">
+            <a:schemeClr val="accent1">
+              <a:shade val="50000"/>
+            </a:schemeClr>
+          </a:lnRef>
+          <a:fillRef idx="1">
+            <a:schemeClr val="accent1"/>
+          </a:fillRef>
+          <a:effectRef idx="0">
+            <a:schemeClr val="accent1"/>
+          </a:effectRef>
+          <a:fontRef idx="minor">
+            <a:schemeClr val="lt1"/>
+          </a:fontRef>
+        </p:style>
+        <p:txBody>
+          <a:bodyPr rtlCol="0" anchor="ctr"/>
+          <a:lstStyle/>
+          <a:p>
+            <a:pPr algn="ctr"/>
+            <a:endParaRPr lang="zh-CN" altLang="en-US"/>
+          </a:p>
+        </p:txBody>
+      </p:sp>
+      <p:sp>
+        <p:nvSpPr>
+          <p:cNvPr id="6" name="文本框 5">
+            <a:extLst>
+              <a:ext uri="{FF2B5EF4-FFF2-40B4-BE49-F238E27FC236}">
+                <a16:creationId xmlns:a16="http://schemas.microsoft.com/office/drawing/2014/main" id="{5FCF7636-79DF-4568-93E1-3BB110982A5C}"/>
+              </a:ext>
+            </a:extLst>
+          </p:cNvPr>
+          <p:cNvSpPr txBox="1"/>
+          <p:nvPr/>
+        </p:nvSpPr>
+        <p:spPr>
+          <a:xfrm>
+            <a:off x="-51610" y="1991032"/>
+            <a:ext cx="1675459" cy="307777"/>
+          </a:xfrm>
+          <a:prstGeom prst="rect">
+            <a:avLst/>
+          </a:prstGeom>
+          <a:noFill/>
+        </p:spPr>
+        <p:txBody>
+          <a:bodyPr wrap="none" rtlCol="0">
+            <a:spAutoFit/>
+          </a:bodyPr>
+          <a:lstStyle/>
+          <a:p>
+            <a:r>
+              <a:rPr lang="en-US" altLang="zh-CN" sz="1400" dirty="0" err="1"/>
+              <a:t>BeanDefinition</a:t>
+            </a:r>
+            <a:r>
+              <a:rPr lang="zh-CN" altLang="en-US" sz="1400" dirty="0"/>
+              <a:t>对象</a:t>
+            </a:r>
+          </a:p>
+        </p:txBody>
+      </p:sp>
+      <p:sp>
+        <p:nvSpPr>
+          <p:cNvPr id="7" name="矩形 6">
+            <a:extLst>
+              <a:ext uri="{FF2B5EF4-FFF2-40B4-BE49-F238E27FC236}">
+                <a16:creationId xmlns:a16="http://schemas.microsoft.com/office/drawing/2014/main" id="{604FA28B-4DCD-4868-9BCB-0F24C69E6082}"/>
+              </a:ext>
+            </a:extLst>
+          </p:cNvPr>
+          <p:cNvSpPr/>
+          <p:nvPr/>
+        </p:nvSpPr>
+        <p:spPr>
+          <a:xfrm>
+            <a:off x="94593" y="3617857"/>
+            <a:ext cx="2911365" cy="357353"/>
+          </a:xfrm>
+          <a:prstGeom prst="rect">
+            <a:avLst/>
+          </a:prstGeom>
+        </p:spPr>
+        <p:style>
+          <a:lnRef idx="3">
+            <a:schemeClr val="lt1"/>
+          </a:lnRef>
+          <a:fillRef idx="1">
+            <a:schemeClr val="accent6"/>
+          </a:fillRef>
+          <a:effectRef idx="1">
+            <a:schemeClr val="accent6"/>
+          </a:effectRef>
+          <a:fontRef idx="minor">
+            <a:schemeClr val="lt1"/>
+          </a:fontRef>
+        </p:style>
+        <p:txBody>
+          <a:bodyPr rtlCol="0" anchor="ctr"/>
+          <a:lstStyle/>
+          <a:p>
+            <a:pPr algn="ctr"/>
+            <a:r>
+              <a:rPr lang="en-US" altLang="zh-CN" dirty="0" err="1"/>
+              <a:t>BeanFactoryPostProcessor</a:t>
+            </a:r>
+            <a:endParaRPr lang="zh-CN" altLang="en-US" dirty="0"/>
+          </a:p>
+        </p:txBody>
+      </p:sp>
+      <p:cxnSp>
+        <p:nvCxnSpPr>
+          <p:cNvPr id="8" name="直接箭头连接符 7">
+            <a:extLst>
+              <a:ext uri="{FF2B5EF4-FFF2-40B4-BE49-F238E27FC236}">
+                <a16:creationId xmlns:a16="http://schemas.microsoft.com/office/drawing/2014/main" id="{2B25C3AB-3061-4405-8036-06371205BD73}"/>
+              </a:ext>
+            </a:extLst>
+          </p:cNvPr>
+          <p:cNvCxnSpPr>
+            <a:cxnSpLocks/>
+            <a:stCxn id="7" idx="0"/>
+          </p:cNvCxnSpPr>
+          <p:nvPr/>
+        </p:nvCxnSpPr>
+        <p:spPr>
+          <a:xfrm flipH="1" flipV="1">
+            <a:off x="1286261" y="2511643"/>
+            <a:ext cx="264015" cy="1106214"/>
+          </a:xfrm>
+          <a:prstGeom prst="straightConnector1">
+            <a:avLst/>
+          </a:prstGeom>
+          <a:ln>
+            <a:tailEnd type="triangle"/>
+          </a:ln>
+        </p:spPr>
+        <p:style>
+          <a:lnRef idx="1">
+            <a:schemeClr val="accent1"/>
+          </a:lnRef>
+          <a:fillRef idx="0">
+            <a:schemeClr val="accent1"/>
+          </a:fillRef>
+          <a:effectRef idx="0">
+            <a:schemeClr val="accent1"/>
+          </a:effectRef>
+          <a:fontRef idx="minor">
+            <a:schemeClr val="tx1"/>
+          </a:fontRef>
+        </p:style>
+      </p:cxnSp>
+      <p:sp>
+        <p:nvSpPr>
+          <p:cNvPr id="9" name="矩形 8">
+            <a:extLst>
+              <a:ext uri="{FF2B5EF4-FFF2-40B4-BE49-F238E27FC236}">
+                <a16:creationId xmlns:a16="http://schemas.microsoft.com/office/drawing/2014/main" id="{5380702E-F828-4B39-A5E6-FDF3C46B7238}"/>
+              </a:ext>
+            </a:extLst>
+          </p:cNvPr>
+          <p:cNvSpPr/>
+          <p:nvPr/>
+        </p:nvSpPr>
+        <p:spPr>
+          <a:xfrm>
+            <a:off x="2025987" y="2346106"/>
+            <a:ext cx="1066800" cy="336331"/>
+          </a:xfrm>
+          <a:prstGeom prst="rect">
+            <a:avLst/>
+          </a:prstGeom>
+        </p:spPr>
+        <p:style>
+          <a:lnRef idx="2">
+            <a:schemeClr val="accent1">
+              <a:shade val="50000"/>
+            </a:schemeClr>
+          </a:lnRef>
+          <a:fillRef idx="1">
+            <a:schemeClr val="accent1"/>
+          </a:fillRef>
+          <a:effectRef idx="0">
+            <a:schemeClr val="accent1"/>
+          </a:effectRef>
+          <a:fontRef idx="minor">
+            <a:schemeClr val="lt1"/>
+          </a:fontRef>
+        </p:style>
+        <p:txBody>
+          <a:bodyPr rtlCol="0" anchor="ctr"/>
+          <a:lstStyle/>
+          <a:p>
+            <a:pPr algn="ctr"/>
+            <a:r>
+              <a:rPr lang="en-US" altLang="zh-CN" dirty="0" err="1"/>
+              <a:t>getBean</a:t>
+            </a:r>
+            <a:endParaRPr lang="zh-CN" altLang="en-US" dirty="0"/>
+          </a:p>
+        </p:txBody>
+      </p:sp>
+      <p:cxnSp>
+        <p:nvCxnSpPr>
+          <p:cNvPr id="10" name="直接箭头连接符 9">
+            <a:extLst>
+              <a:ext uri="{FF2B5EF4-FFF2-40B4-BE49-F238E27FC236}">
+                <a16:creationId xmlns:a16="http://schemas.microsoft.com/office/drawing/2014/main" id="{B6711EA9-5B1C-4057-BBC3-757B6433EFF7}"/>
+              </a:ext>
+            </a:extLst>
+          </p:cNvPr>
+          <p:cNvCxnSpPr>
+            <a:cxnSpLocks/>
+            <a:stCxn id="9" idx="3"/>
+            <a:endCxn id="11" idx="1"/>
+          </p:cNvCxnSpPr>
+          <p:nvPr/>
+        </p:nvCxnSpPr>
+        <p:spPr>
+          <a:xfrm flipV="1">
+            <a:off x="3092787" y="2511645"/>
+            <a:ext cx="1208689" cy="2627"/>
+          </a:xfrm>
+          <a:prstGeom prst="straightConnector1">
+            <a:avLst/>
+          </a:prstGeom>
+          <a:ln>
+            <a:tailEnd type="triangle"/>
+          </a:ln>
+        </p:spPr>
+        <p:style>
+          <a:lnRef idx="1">
+            <a:schemeClr val="accent1"/>
+          </a:lnRef>
+          <a:fillRef idx="0">
+            <a:schemeClr val="accent1"/>
+          </a:fillRef>
+          <a:effectRef idx="0">
+            <a:schemeClr val="accent1"/>
+          </a:effectRef>
+          <a:fontRef idx="minor">
+            <a:schemeClr val="tx1"/>
+          </a:fontRef>
+        </p:style>
+      </p:cxnSp>
+      <p:sp>
+        <p:nvSpPr>
+          <p:cNvPr id="11" name="矩形 10">
+            <a:extLst>
+              <a:ext uri="{FF2B5EF4-FFF2-40B4-BE49-F238E27FC236}">
+                <a16:creationId xmlns:a16="http://schemas.microsoft.com/office/drawing/2014/main" id="{A9FC1BD3-97EC-4E1A-BEF7-D4C16D3CBA89}"/>
+              </a:ext>
+            </a:extLst>
+          </p:cNvPr>
+          <p:cNvSpPr/>
+          <p:nvPr/>
+        </p:nvSpPr>
+        <p:spPr>
+          <a:xfrm>
+            <a:off x="4301476" y="2319831"/>
+            <a:ext cx="1355834" cy="383627"/>
+          </a:xfrm>
+          <a:prstGeom prst="rect">
+            <a:avLst/>
+          </a:prstGeom>
+        </p:spPr>
+        <p:style>
+          <a:lnRef idx="2">
+            <a:schemeClr val="accent1">
+              <a:shade val="50000"/>
+            </a:schemeClr>
+          </a:lnRef>
+          <a:fillRef idx="1">
+            <a:schemeClr val="accent1"/>
+          </a:fillRef>
+          <a:effectRef idx="0">
+            <a:schemeClr val="accent1"/>
+          </a:effectRef>
+          <a:fontRef idx="minor">
+            <a:schemeClr val="lt1"/>
+          </a:fontRef>
+        </p:style>
+        <p:txBody>
+          <a:bodyPr rtlCol="0" anchor="ctr"/>
+          <a:lstStyle/>
+          <a:p>
+            <a:pPr algn="ctr"/>
+            <a:r>
+              <a:rPr lang="en-US" altLang="zh-CN" dirty="0"/>
+              <a:t>Bean</a:t>
+            </a:r>
+            <a:r>
+              <a:rPr lang="zh-CN" altLang="en-US" dirty="0"/>
+              <a:t>的创建</a:t>
+            </a:r>
+          </a:p>
+        </p:txBody>
+      </p:sp>
+      <p:cxnSp>
+        <p:nvCxnSpPr>
+          <p:cNvPr id="12" name="直接箭头连接符 11">
+            <a:extLst>
+              <a:ext uri="{FF2B5EF4-FFF2-40B4-BE49-F238E27FC236}">
+                <a16:creationId xmlns:a16="http://schemas.microsoft.com/office/drawing/2014/main" id="{1E38B934-BFC6-426B-9E57-639DD8AF7C71}"/>
+              </a:ext>
+            </a:extLst>
+          </p:cNvPr>
+          <p:cNvCxnSpPr>
+            <a:cxnSpLocks/>
+            <a:stCxn id="11" idx="3"/>
+            <a:endCxn id="13" idx="1"/>
+          </p:cNvCxnSpPr>
+          <p:nvPr/>
+        </p:nvCxnSpPr>
+        <p:spPr>
+          <a:xfrm flipV="1">
+            <a:off x="5657310" y="2511644"/>
+            <a:ext cx="604345" cy="1"/>
+          </a:xfrm>
+          <a:prstGeom prst="straightConnector1">
+            <a:avLst/>
+          </a:prstGeom>
+          <a:ln>
+            <a:tailEnd type="triangle"/>
+          </a:ln>
+        </p:spPr>
+        <p:style>
+          <a:lnRef idx="1">
+            <a:schemeClr val="accent1"/>
+          </a:lnRef>
+          <a:fillRef idx="0">
+            <a:schemeClr val="accent1"/>
+          </a:fillRef>
+          <a:effectRef idx="0">
+            <a:schemeClr val="accent1"/>
+          </a:effectRef>
+          <a:fontRef idx="minor">
+            <a:schemeClr val="tx1"/>
+          </a:fontRef>
+        </p:style>
+      </p:cxnSp>
+      <p:sp>
+        <p:nvSpPr>
+          <p:cNvPr id="13" name="矩形 12">
+            <a:extLst>
+              <a:ext uri="{FF2B5EF4-FFF2-40B4-BE49-F238E27FC236}">
+                <a16:creationId xmlns:a16="http://schemas.microsoft.com/office/drawing/2014/main" id="{64E8FF06-0249-4D9D-84D7-A97C1F724C0A}"/>
+              </a:ext>
+            </a:extLst>
+          </p:cNvPr>
+          <p:cNvSpPr/>
+          <p:nvPr/>
+        </p:nvSpPr>
+        <p:spPr>
+          <a:xfrm>
+            <a:off x="6261655" y="2319830"/>
+            <a:ext cx="1644869" cy="383627"/>
+          </a:xfrm>
+          <a:prstGeom prst="rect">
+            <a:avLst/>
+          </a:prstGeom>
+        </p:spPr>
+        <p:style>
+          <a:lnRef idx="2">
+            <a:schemeClr val="accent1">
+              <a:shade val="50000"/>
+            </a:schemeClr>
+          </a:lnRef>
+          <a:fillRef idx="1">
+            <a:schemeClr val="accent1"/>
+          </a:fillRef>
+          <a:effectRef idx="0">
+            <a:schemeClr val="accent1"/>
+          </a:effectRef>
+          <a:fontRef idx="minor">
+            <a:schemeClr val="lt1"/>
+          </a:fontRef>
+        </p:style>
+        <p:txBody>
+          <a:bodyPr rtlCol="0" anchor="ctr"/>
+          <a:lstStyle/>
+          <a:p>
+            <a:pPr algn="ctr"/>
+            <a:r>
+              <a:rPr lang="en-US" altLang="zh-CN" dirty="0" err="1"/>
+              <a:t>populateBean</a:t>
+            </a:r>
+            <a:endParaRPr lang="zh-CN" altLang="en-US" dirty="0"/>
+          </a:p>
+        </p:txBody>
+      </p:sp>
+      <p:sp>
+        <p:nvSpPr>
+          <p:cNvPr id="14" name="矩形 13">
+            <a:extLst>
+              <a:ext uri="{FF2B5EF4-FFF2-40B4-BE49-F238E27FC236}">
+                <a16:creationId xmlns:a16="http://schemas.microsoft.com/office/drawing/2014/main" id="{F44C5C2D-1A22-4CF7-A378-06FBB949EC2E}"/>
+              </a:ext>
+            </a:extLst>
+          </p:cNvPr>
+          <p:cNvSpPr/>
+          <p:nvPr/>
+        </p:nvSpPr>
+        <p:spPr>
+          <a:xfrm>
+            <a:off x="92081" y="766939"/>
+            <a:ext cx="4172607" cy="709445"/>
+          </a:xfrm>
+          <a:prstGeom prst="rect">
+            <a:avLst/>
+          </a:prstGeom>
+        </p:spPr>
+        <p:style>
+          <a:lnRef idx="3">
+            <a:schemeClr val="lt1"/>
+          </a:lnRef>
+          <a:fillRef idx="1">
+            <a:schemeClr val="accent6"/>
+          </a:fillRef>
+          <a:effectRef idx="1">
+            <a:schemeClr val="accent6"/>
+          </a:effectRef>
+          <a:fontRef idx="minor">
+            <a:schemeClr val="lt1"/>
+          </a:fontRef>
+        </p:style>
+        <p:txBody>
+          <a:bodyPr rtlCol="0" anchor="ctr"/>
+          <a:lstStyle/>
+          <a:p>
+            <a:pPr algn="ctr"/>
+            <a:r>
+              <a:rPr lang="en-US" altLang="zh-CN" dirty="0" err="1"/>
+              <a:t>InstantiationAwareBeanPostProcessor</a:t>
+            </a:r>
+            <a:r>
+              <a:rPr lang="zh-CN" altLang="en-US" dirty="0"/>
+              <a:t>的</a:t>
+            </a:r>
+            <a:endParaRPr lang="en-US" altLang="zh-CN" dirty="0"/>
+          </a:p>
+          <a:p>
+            <a:pPr algn="ctr"/>
+            <a:r>
+              <a:rPr lang="en-US" altLang="zh-CN" dirty="0" err="1"/>
+              <a:t>postProcessBeforeInstantiation</a:t>
+            </a:r>
+            <a:endParaRPr lang="zh-CN" altLang="en-US" dirty="0"/>
+          </a:p>
+        </p:txBody>
+      </p:sp>
+      <p:cxnSp>
+        <p:nvCxnSpPr>
+          <p:cNvPr id="15" name="直接箭头连接符 14">
+            <a:extLst>
+              <a:ext uri="{FF2B5EF4-FFF2-40B4-BE49-F238E27FC236}">
+                <a16:creationId xmlns:a16="http://schemas.microsoft.com/office/drawing/2014/main" id="{96DF4625-0EF0-44F9-B8A4-5224895B77BA}"/>
+              </a:ext>
+            </a:extLst>
+          </p:cNvPr>
+          <p:cNvCxnSpPr>
+            <a:stCxn id="14" idx="2"/>
+          </p:cNvCxnSpPr>
+          <p:nvPr/>
+        </p:nvCxnSpPr>
+        <p:spPr>
+          <a:xfrm>
+            <a:off x="2178385" y="1476384"/>
+            <a:ext cx="1518746" cy="1037885"/>
+          </a:xfrm>
+          <a:prstGeom prst="straightConnector1">
+            <a:avLst/>
+          </a:prstGeom>
+          <a:ln>
+            <a:tailEnd type="triangle"/>
+          </a:ln>
+        </p:spPr>
+        <p:style>
+          <a:lnRef idx="1">
+            <a:schemeClr val="accent1"/>
+          </a:lnRef>
+          <a:fillRef idx="0">
+            <a:schemeClr val="accent1"/>
+          </a:fillRef>
+          <a:effectRef idx="0">
+            <a:schemeClr val="accent1"/>
+          </a:effectRef>
+          <a:fontRef idx="minor">
+            <a:schemeClr val="tx1"/>
+          </a:fontRef>
+        </p:style>
+      </p:cxnSp>
+      <p:sp>
+        <p:nvSpPr>
+          <p:cNvPr id="16" name="矩形 15">
+            <a:extLst>
+              <a:ext uri="{FF2B5EF4-FFF2-40B4-BE49-F238E27FC236}">
+                <a16:creationId xmlns:a16="http://schemas.microsoft.com/office/drawing/2014/main" id="{77B2562F-C9BF-48F7-80E1-ED3C27C380F5}"/>
+              </a:ext>
+            </a:extLst>
+          </p:cNvPr>
+          <p:cNvSpPr/>
+          <p:nvPr/>
+        </p:nvSpPr>
+        <p:spPr>
+          <a:xfrm>
+            <a:off x="4916329" y="170477"/>
+            <a:ext cx="4335519" cy="1442529"/>
+          </a:xfrm>
+          <a:prstGeom prst="rect">
+            <a:avLst/>
+          </a:prstGeom>
+        </p:spPr>
+        <p:style>
+          <a:lnRef idx="2">
+            <a:schemeClr val="accent1">
+              <a:shade val="50000"/>
+            </a:schemeClr>
+          </a:lnRef>
+          <a:fillRef idx="1">
+            <a:schemeClr val="accent1"/>
+          </a:fillRef>
+          <a:effectRef idx="0">
+            <a:schemeClr val="accent1"/>
+          </a:effectRef>
+          <a:fontRef idx="minor">
+            <a:schemeClr val="lt1"/>
+          </a:fontRef>
+        </p:style>
+        <p:txBody>
+          <a:bodyPr rtlCol="0" anchor="t" anchorCtr="0"/>
+          <a:lstStyle/>
+          <a:p>
+            <a:r>
+              <a:rPr lang="en-US" altLang="zh-CN" dirty="0"/>
+              <a:t>@</a:t>
+            </a:r>
+            <a:r>
+              <a:rPr lang="en-US" altLang="zh-CN" dirty="0" err="1"/>
+              <a:t>Autowired</a:t>
+            </a:r>
+            <a:endParaRPr lang="en-US" altLang="zh-CN" dirty="0"/>
+          </a:p>
+          <a:p>
+            <a:r>
+              <a:rPr lang="en-US" altLang="zh-CN" dirty="0"/>
+              <a:t>@Value</a:t>
+            </a:r>
+          </a:p>
+          <a:p>
+            <a:endParaRPr lang="zh-CN" altLang="en-US" dirty="0"/>
+          </a:p>
+        </p:txBody>
+      </p:sp>
+      <p:cxnSp>
+        <p:nvCxnSpPr>
+          <p:cNvPr id="17" name="直接箭头连接符 16">
+            <a:extLst>
+              <a:ext uri="{FF2B5EF4-FFF2-40B4-BE49-F238E27FC236}">
+                <a16:creationId xmlns:a16="http://schemas.microsoft.com/office/drawing/2014/main" id="{396ACB52-F605-4BD3-8621-C42385042743}"/>
+              </a:ext>
+            </a:extLst>
+          </p:cNvPr>
+          <p:cNvCxnSpPr>
+            <a:stCxn id="13" idx="0"/>
+            <a:endCxn id="16" idx="2"/>
+          </p:cNvCxnSpPr>
+          <p:nvPr/>
+        </p:nvCxnSpPr>
+        <p:spPr>
+          <a:xfrm flipH="1" flipV="1">
+            <a:off x="7084089" y="1613006"/>
+            <a:ext cx="1" cy="706824"/>
+          </a:xfrm>
+          <a:prstGeom prst="straightConnector1">
+            <a:avLst/>
+          </a:prstGeom>
+          <a:ln>
+            <a:tailEnd type="triangle"/>
+          </a:ln>
+        </p:spPr>
+        <p:style>
+          <a:lnRef idx="1">
+            <a:schemeClr val="accent1"/>
+          </a:lnRef>
+          <a:fillRef idx="0">
+            <a:schemeClr val="accent1"/>
+          </a:fillRef>
+          <a:effectRef idx="0">
+            <a:schemeClr val="accent1"/>
+          </a:effectRef>
+          <a:fontRef idx="minor">
+            <a:schemeClr val="tx1"/>
+          </a:fontRef>
+        </p:style>
+      </p:cxnSp>
+      <p:sp>
+        <p:nvSpPr>
+          <p:cNvPr id="18" name="矩形 17">
+            <a:extLst>
+              <a:ext uri="{FF2B5EF4-FFF2-40B4-BE49-F238E27FC236}">
+                <a16:creationId xmlns:a16="http://schemas.microsoft.com/office/drawing/2014/main" id="{8B55C582-A998-4C35-BC39-DE44495760AA}"/>
+              </a:ext>
+            </a:extLst>
+          </p:cNvPr>
+          <p:cNvSpPr/>
+          <p:nvPr/>
+        </p:nvSpPr>
+        <p:spPr>
+          <a:xfrm>
+            <a:off x="8305553" y="2319830"/>
+            <a:ext cx="1644869" cy="383627"/>
+          </a:xfrm>
+          <a:prstGeom prst="rect">
+            <a:avLst/>
+          </a:prstGeom>
+        </p:spPr>
+        <p:style>
+          <a:lnRef idx="2">
+            <a:schemeClr val="accent1">
+              <a:shade val="50000"/>
+            </a:schemeClr>
+          </a:lnRef>
+          <a:fillRef idx="1">
+            <a:schemeClr val="accent1"/>
+          </a:fillRef>
+          <a:effectRef idx="0">
+            <a:schemeClr val="accent1"/>
+          </a:effectRef>
+          <a:fontRef idx="minor">
+            <a:schemeClr val="lt1"/>
+          </a:fontRef>
+        </p:style>
+        <p:txBody>
+          <a:bodyPr rtlCol="0" anchor="ctr"/>
+          <a:lstStyle/>
+          <a:p>
+            <a:pPr algn="ctr"/>
+            <a:r>
+              <a:rPr lang="en-US" altLang="zh-CN"/>
+              <a:t>initializeBean</a:t>
+            </a:r>
+            <a:endParaRPr lang="zh-CN" altLang="en-US" dirty="0"/>
+          </a:p>
+        </p:txBody>
+      </p:sp>
+      <p:cxnSp>
+        <p:nvCxnSpPr>
+          <p:cNvPr id="19" name="直接箭头连接符 18">
+            <a:extLst>
+              <a:ext uri="{FF2B5EF4-FFF2-40B4-BE49-F238E27FC236}">
+                <a16:creationId xmlns:a16="http://schemas.microsoft.com/office/drawing/2014/main" id="{2CAAE71F-F735-4C0D-BDD3-B85916E1BE4F}"/>
+              </a:ext>
+            </a:extLst>
+          </p:cNvPr>
+          <p:cNvCxnSpPr>
+            <a:stCxn id="13" idx="3"/>
+            <a:endCxn id="18" idx="1"/>
+          </p:cNvCxnSpPr>
+          <p:nvPr/>
+        </p:nvCxnSpPr>
+        <p:spPr>
+          <a:xfrm>
+            <a:off x="7906524" y="2511644"/>
+            <a:ext cx="399029" cy="0"/>
+          </a:xfrm>
+          <a:prstGeom prst="straightConnector1">
+            <a:avLst/>
+          </a:prstGeom>
+          <a:ln>
+            <a:tailEnd type="triangle"/>
+          </a:ln>
+        </p:spPr>
+        <p:style>
+          <a:lnRef idx="1">
+            <a:schemeClr val="accent1"/>
+          </a:lnRef>
+          <a:fillRef idx="0">
+            <a:schemeClr val="accent1"/>
+          </a:fillRef>
+          <a:effectRef idx="0">
+            <a:schemeClr val="accent1"/>
+          </a:effectRef>
+          <a:fontRef idx="minor">
+            <a:schemeClr val="tx1"/>
+          </a:fontRef>
+        </p:style>
+      </p:cxnSp>
+      <p:sp>
+        <p:nvSpPr>
+          <p:cNvPr id="20" name="矩形 19">
+            <a:extLst>
+              <a:ext uri="{FF2B5EF4-FFF2-40B4-BE49-F238E27FC236}">
+                <a16:creationId xmlns:a16="http://schemas.microsoft.com/office/drawing/2014/main" id="{A6991FFD-0741-4522-BEC7-B10F7A565B94}"/>
+              </a:ext>
+            </a:extLst>
+          </p:cNvPr>
+          <p:cNvSpPr/>
+          <p:nvPr/>
+        </p:nvSpPr>
+        <p:spPr>
+          <a:xfrm>
+            <a:off x="10349451" y="2034678"/>
+            <a:ext cx="1644869" cy="953930"/>
+          </a:xfrm>
+          <a:prstGeom prst="rect">
+            <a:avLst/>
+          </a:prstGeom>
+        </p:spPr>
+        <p:style>
+          <a:lnRef idx="2">
+            <a:schemeClr val="accent1">
+              <a:shade val="50000"/>
+            </a:schemeClr>
+          </a:lnRef>
+          <a:fillRef idx="1">
+            <a:schemeClr val="accent1"/>
+          </a:fillRef>
+          <a:effectRef idx="0">
+            <a:schemeClr val="accent1"/>
+          </a:effectRef>
+          <a:fontRef idx="minor">
+            <a:schemeClr val="lt1"/>
+          </a:fontRef>
+        </p:style>
+        <p:txBody>
+          <a:bodyPr rtlCol="0" anchor="ctr"/>
+          <a:lstStyle/>
+          <a:p>
+            <a:pPr algn="just"/>
+            <a:r>
+              <a:rPr lang="zh-CN" altLang="en-US" dirty="0"/>
+              <a:t>将创建的对象加入到单例缓存</a:t>
+            </a:r>
+            <a:r>
+              <a:rPr lang="en-US" altLang="zh-CN" dirty="0"/>
+              <a:t>Map</a:t>
+            </a:r>
+            <a:r>
+              <a:rPr lang="zh-CN" altLang="en-US" dirty="0"/>
+              <a:t>中</a:t>
+            </a:r>
+          </a:p>
+        </p:txBody>
+      </p:sp>
+      <p:cxnSp>
+        <p:nvCxnSpPr>
+          <p:cNvPr id="21" name="直接箭头连接符 20">
+            <a:extLst>
+              <a:ext uri="{FF2B5EF4-FFF2-40B4-BE49-F238E27FC236}">
+                <a16:creationId xmlns:a16="http://schemas.microsoft.com/office/drawing/2014/main" id="{12845C17-D14D-4EA0-BDD6-40DED36FCBDD}"/>
+              </a:ext>
+            </a:extLst>
+          </p:cNvPr>
+          <p:cNvCxnSpPr>
+            <a:cxnSpLocks/>
+            <a:stCxn id="18" idx="3"/>
+            <a:endCxn id="20" idx="1"/>
+          </p:cNvCxnSpPr>
+          <p:nvPr/>
+        </p:nvCxnSpPr>
+        <p:spPr>
+          <a:xfrm flipV="1">
+            <a:off x="9950422" y="2511643"/>
+            <a:ext cx="399029" cy="1"/>
+          </a:xfrm>
+          <a:prstGeom prst="straightConnector1">
+            <a:avLst/>
+          </a:prstGeom>
+          <a:ln>
+            <a:tailEnd type="triangle"/>
+          </a:ln>
+        </p:spPr>
+        <p:style>
+          <a:lnRef idx="1">
+            <a:schemeClr val="accent1"/>
+          </a:lnRef>
+          <a:fillRef idx="0">
+            <a:schemeClr val="accent1"/>
+          </a:fillRef>
+          <a:effectRef idx="0">
+            <a:schemeClr val="accent1"/>
+          </a:effectRef>
+          <a:fontRef idx="minor">
+            <a:schemeClr val="tx1"/>
+          </a:fontRef>
+        </p:style>
+      </p:cxnSp>
+      <p:sp>
+        <p:nvSpPr>
+          <p:cNvPr id="22" name="矩形 21">
+            <a:extLst>
+              <a:ext uri="{FF2B5EF4-FFF2-40B4-BE49-F238E27FC236}">
+                <a16:creationId xmlns:a16="http://schemas.microsoft.com/office/drawing/2014/main" id="{B57EEDF0-09C5-49F9-A1A3-F0B50EEB0D58}"/>
+              </a:ext>
+            </a:extLst>
+          </p:cNvPr>
+          <p:cNvSpPr/>
+          <p:nvPr/>
+        </p:nvSpPr>
+        <p:spPr>
+          <a:xfrm>
+            <a:off x="4655550" y="3180420"/>
+            <a:ext cx="5335792" cy="3553755"/>
+          </a:xfrm>
+          <a:prstGeom prst="rect">
+            <a:avLst/>
+          </a:prstGeom>
+          <a:solidFill>
+            <a:schemeClr val="accent5">
+              <a:lumMod val="40000"/>
+              <a:lumOff val="60000"/>
+            </a:schemeClr>
+          </a:solidFill>
+          <a:ln>
+            <a:solidFill>
+              <a:schemeClr val="accent5">
+                <a:lumMod val="40000"/>
+                <a:lumOff val="60000"/>
+              </a:schemeClr>
+            </a:solidFill>
+          </a:ln>
+        </p:spPr>
+        <p:style>
+          <a:lnRef idx="3">
+            <a:schemeClr val="lt1"/>
+          </a:lnRef>
+          <a:fillRef idx="1">
+            <a:schemeClr val="accent5"/>
+          </a:fillRef>
+          <a:effectRef idx="1">
+            <a:schemeClr val="accent5"/>
+          </a:effectRef>
+          <a:fontRef idx="minor">
+            <a:schemeClr val="lt1"/>
+          </a:fontRef>
+        </p:style>
+        <p:txBody>
+          <a:bodyPr rtlCol="0" anchor="ctr"/>
+          <a:lstStyle/>
+          <a:p>
+            <a:pPr algn="ctr"/>
+            <a:endParaRPr lang="zh-CN" altLang="en-US" dirty="0"/>
+          </a:p>
+        </p:txBody>
+      </p:sp>
+      <p:sp>
+        <p:nvSpPr>
+          <p:cNvPr id="23" name="矩形 22">
+            <a:extLst>
+              <a:ext uri="{FF2B5EF4-FFF2-40B4-BE49-F238E27FC236}">
+                <a16:creationId xmlns:a16="http://schemas.microsoft.com/office/drawing/2014/main" id="{31FCDD90-BB60-4E48-A996-418A6FAE4C6F}"/>
+              </a:ext>
+            </a:extLst>
+          </p:cNvPr>
+          <p:cNvSpPr/>
+          <p:nvPr/>
+        </p:nvSpPr>
+        <p:spPr>
+          <a:xfrm>
+            <a:off x="4655550" y="3272516"/>
+            <a:ext cx="5335792" cy="1047982"/>
+          </a:xfrm>
+          <a:prstGeom prst="rect">
+            <a:avLst/>
+          </a:prstGeom>
+        </p:spPr>
+        <p:style>
+          <a:lnRef idx="2">
+            <a:schemeClr val="dk1">
+              <a:shade val="50000"/>
+            </a:schemeClr>
+          </a:lnRef>
+          <a:fillRef idx="1">
+            <a:schemeClr val="dk1"/>
+          </a:fillRef>
+          <a:effectRef idx="0">
+            <a:schemeClr val="dk1"/>
+          </a:effectRef>
+          <a:fontRef idx="minor">
+            <a:schemeClr val="lt1"/>
+          </a:fontRef>
+        </p:style>
+        <p:txBody>
+          <a:bodyPr rtlCol="0" anchor="t" anchorCtr="0"/>
+          <a:lstStyle/>
+          <a:p>
+            <a:r>
+              <a:rPr lang="en-US" altLang="zh-CN" sz="1400" dirty="0">
+                <a:solidFill>
+                  <a:srgbClr val="00B050"/>
+                </a:solidFill>
+              </a:rPr>
+              <a:t>//</a:t>
+            </a:r>
+            <a:r>
+              <a:rPr lang="zh-CN" altLang="en-US" sz="1400" dirty="0">
+                <a:solidFill>
+                  <a:srgbClr val="00B050"/>
+                </a:solidFill>
+              </a:rPr>
+              <a:t>前置处理器</a:t>
+            </a:r>
+            <a:endParaRPr lang="en-US" altLang="zh-CN" sz="1400" dirty="0">
+              <a:solidFill>
+                <a:srgbClr val="00B050"/>
+              </a:solidFill>
+            </a:endParaRPr>
+          </a:p>
+          <a:p>
+            <a:r>
+              <a:rPr lang="en-US" altLang="zh-CN" sz="1400" dirty="0">
+                <a:solidFill>
+                  <a:srgbClr val="00B050"/>
+                </a:solidFill>
+              </a:rPr>
+              <a:t>//</a:t>
+            </a:r>
+            <a:r>
+              <a:rPr lang="zh-CN" altLang="en-US" sz="1400" dirty="0">
+                <a:solidFill>
+                  <a:srgbClr val="00B050"/>
+                </a:solidFill>
+              </a:rPr>
+              <a:t>遍历所有的</a:t>
+            </a:r>
+            <a:r>
+              <a:rPr lang="en-US" altLang="zh-CN" sz="1400" dirty="0" err="1">
+                <a:solidFill>
+                  <a:srgbClr val="00B050"/>
+                </a:solidFill>
+              </a:rPr>
+              <a:t>BeanPostProcessor</a:t>
+            </a:r>
+            <a:endParaRPr lang="en-US" altLang="zh-CN" sz="1400" dirty="0">
+              <a:solidFill>
+                <a:srgbClr val="00B050"/>
+              </a:solidFill>
+            </a:endParaRPr>
+          </a:p>
+          <a:p>
+            <a:r>
+              <a:rPr lang="en-US" altLang="zh-CN" sz="1400" dirty="0">
+                <a:solidFill>
+                  <a:srgbClr val="00B050"/>
+                </a:solidFill>
+              </a:rPr>
+              <a:t>//</a:t>
+            </a:r>
+            <a:r>
+              <a:rPr lang="zh-CN" altLang="en-US" sz="1400" dirty="0">
+                <a:solidFill>
+                  <a:srgbClr val="00B050"/>
+                </a:solidFill>
+              </a:rPr>
+              <a:t>并调用每一个</a:t>
+            </a:r>
+            <a:r>
+              <a:rPr lang="en-US" altLang="zh-CN" sz="1400" dirty="0">
+                <a:solidFill>
+                  <a:srgbClr val="00B050"/>
+                </a:solidFill>
+              </a:rPr>
+              <a:t>processor</a:t>
+            </a:r>
+            <a:r>
+              <a:rPr lang="zh-CN" altLang="en-US" sz="1400" dirty="0">
+                <a:solidFill>
+                  <a:srgbClr val="00B050"/>
+                </a:solidFill>
+              </a:rPr>
+              <a:t>的</a:t>
+            </a:r>
+            <a:r>
+              <a:rPr lang="en-US" altLang="zh-CN" sz="1400" dirty="0" err="1">
+                <a:solidFill>
+                  <a:srgbClr val="00B050"/>
+                </a:solidFill>
+              </a:rPr>
+              <a:t>postProcessBeforeInitialization</a:t>
+            </a:r>
+            <a:r>
+              <a:rPr lang="zh-CN" altLang="en-US" sz="1400" dirty="0">
+                <a:solidFill>
+                  <a:srgbClr val="00B050"/>
+                </a:solidFill>
+              </a:rPr>
+              <a:t>方法</a:t>
+            </a:r>
+          </a:p>
+          <a:p>
+            <a:r>
+              <a:rPr lang="en-US" altLang="zh-CN" sz="1400" dirty="0" err="1"/>
+              <a:t>applyBeanPostProcessorsBeforeInitialization</a:t>
+            </a:r>
+            <a:endParaRPr lang="zh-CN" altLang="en-US" sz="1400" dirty="0"/>
+          </a:p>
+        </p:txBody>
+      </p:sp>
+      <p:sp>
+        <p:nvSpPr>
+          <p:cNvPr id="24" name="矩形 23">
+            <a:extLst>
+              <a:ext uri="{FF2B5EF4-FFF2-40B4-BE49-F238E27FC236}">
+                <a16:creationId xmlns:a16="http://schemas.microsoft.com/office/drawing/2014/main" id="{9300BE13-37BE-4AD4-96D0-80B401BD8C9B}"/>
+              </a:ext>
+            </a:extLst>
+          </p:cNvPr>
+          <p:cNvSpPr/>
+          <p:nvPr/>
+        </p:nvSpPr>
+        <p:spPr>
+          <a:xfrm>
+            <a:off x="4655550" y="4416404"/>
+            <a:ext cx="5335792" cy="1047982"/>
+          </a:xfrm>
+          <a:prstGeom prst="rect">
+            <a:avLst/>
+          </a:prstGeom>
+        </p:spPr>
+        <p:style>
+          <a:lnRef idx="2">
+            <a:schemeClr val="dk1">
+              <a:shade val="50000"/>
+            </a:schemeClr>
+          </a:lnRef>
+          <a:fillRef idx="1">
+            <a:schemeClr val="dk1"/>
+          </a:fillRef>
+          <a:effectRef idx="0">
+            <a:schemeClr val="dk1"/>
+          </a:effectRef>
+          <a:fontRef idx="minor">
+            <a:schemeClr val="lt1"/>
+          </a:fontRef>
+        </p:style>
+        <p:txBody>
+          <a:bodyPr rtlCol="0" anchor="t" anchorCtr="0"/>
+          <a:lstStyle/>
+          <a:p>
+            <a:r>
+              <a:rPr lang="en-US" altLang="zh-CN" sz="1400" dirty="0">
+                <a:solidFill>
+                  <a:srgbClr val="00B050"/>
+                </a:solidFill>
+              </a:rPr>
+              <a:t>//</a:t>
+            </a:r>
+            <a:r>
+              <a:rPr lang="zh-CN" altLang="en-US" sz="1400" dirty="0">
+                <a:solidFill>
+                  <a:srgbClr val="00B050"/>
+                </a:solidFill>
+              </a:rPr>
+              <a:t>调用初始化方法</a:t>
+            </a:r>
+            <a:endParaRPr lang="en-US" altLang="zh-CN" sz="1400" dirty="0">
+              <a:solidFill>
+                <a:srgbClr val="00B050"/>
+              </a:solidFill>
+            </a:endParaRPr>
+          </a:p>
+          <a:p>
+            <a:r>
+              <a:rPr lang="en-US" altLang="zh-CN" sz="1400" dirty="0">
+                <a:solidFill>
+                  <a:srgbClr val="00B050"/>
+                </a:solidFill>
+              </a:rPr>
+              <a:t>//</a:t>
+            </a:r>
+            <a:r>
+              <a:rPr lang="zh-CN" altLang="en-US" sz="1400" dirty="0">
+                <a:solidFill>
+                  <a:srgbClr val="00B050"/>
+                </a:solidFill>
+              </a:rPr>
+              <a:t>即执行</a:t>
+            </a:r>
+            <a:endParaRPr lang="en-US" altLang="zh-CN" sz="1400" dirty="0">
+              <a:solidFill>
+                <a:srgbClr val="00B050"/>
+              </a:solidFill>
+            </a:endParaRPr>
+          </a:p>
+          <a:p>
+            <a:r>
+              <a:rPr lang="en-US" altLang="zh-CN" sz="1400" dirty="0">
+                <a:solidFill>
+                  <a:srgbClr val="00B050"/>
+                </a:solidFill>
+              </a:rPr>
+              <a:t>//</a:t>
+            </a:r>
+            <a:r>
+              <a:rPr lang="en-US" altLang="zh-CN" sz="1400" dirty="0" err="1">
+                <a:solidFill>
+                  <a:srgbClr val="00B050"/>
+                </a:solidFill>
+              </a:rPr>
+              <a:t>InitializingBean</a:t>
+            </a:r>
+            <a:r>
+              <a:rPr lang="zh-CN" altLang="en-US" sz="1400" dirty="0">
+                <a:solidFill>
+                  <a:srgbClr val="00B050"/>
+                </a:solidFill>
+              </a:rPr>
+              <a:t>、</a:t>
+            </a:r>
+            <a:r>
+              <a:rPr lang="en-US" altLang="zh-CN" sz="1400" dirty="0" err="1">
+                <a:solidFill>
+                  <a:srgbClr val="00B050"/>
+                </a:solidFill>
+              </a:rPr>
+              <a:t>initMethod</a:t>
+            </a:r>
+            <a:r>
+              <a:rPr lang="zh-CN" altLang="en-US" sz="1400" dirty="0">
+                <a:solidFill>
+                  <a:srgbClr val="00B050"/>
+                </a:solidFill>
+              </a:rPr>
+              <a:t>和</a:t>
+            </a:r>
+            <a:r>
+              <a:rPr lang="en-US" altLang="zh-CN" sz="1400" dirty="0">
+                <a:solidFill>
+                  <a:srgbClr val="00B050"/>
+                </a:solidFill>
+              </a:rPr>
+              <a:t>@</a:t>
+            </a:r>
+            <a:r>
+              <a:rPr lang="en-US" altLang="zh-CN" sz="1400" dirty="0" err="1">
+                <a:solidFill>
+                  <a:srgbClr val="00B050"/>
+                </a:solidFill>
+              </a:rPr>
+              <a:t>PostConstruct</a:t>
+            </a:r>
+            <a:r>
+              <a:rPr lang="zh-CN" altLang="en-US" sz="1400" dirty="0">
+                <a:solidFill>
+                  <a:srgbClr val="00B050"/>
+                </a:solidFill>
+              </a:rPr>
+              <a:t>对应的方法</a:t>
+            </a:r>
+          </a:p>
+          <a:p>
+            <a:r>
+              <a:rPr lang="en-US" altLang="zh-CN" sz="1400" dirty="0" err="1"/>
+              <a:t>invokeInitMethods</a:t>
+            </a:r>
+            <a:endParaRPr lang="zh-CN" altLang="en-US" sz="1400" dirty="0"/>
+          </a:p>
+        </p:txBody>
+      </p:sp>
+      <p:sp>
+        <p:nvSpPr>
+          <p:cNvPr id="25" name="矩形 24">
+            <a:extLst>
+              <a:ext uri="{FF2B5EF4-FFF2-40B4-BE49-F238E27FC236}">
+                <a16:creationId xmlns:a16="http://schemas.microsoft.com/office/drawing/2014/main" id="{F2774111-32A9-4D8C-95C6-E4C5108EF654}"/>
+              </a:ext>
+            </a:extLst>
+          </p:cNvPr>
+          <p:cNvSpPr/>
+          <p:nvPr/>
+        </p:nvSpPr>
+        <p:spPr>
+          <a:xfrm>
+            <a:off x="4655550" y="5610410"/>
+            <a:ext cx="5335792" cy="1047982"/>
+          </a:xfrm>
+          <a:prstGeom prst="rect">
+            <a:avLst/>
+          </a:prstGeom>
+        </p:spPr>
+        <p:style>
+          <a:lnRef idx="2">
+            <a:schemeClr val="dk1">
+              <a:shade val="50000"/>
+            </a:schemeClr>
+          </a:lnRef>
+          <a:fillRef idx="1">
+            <a:schemeClr val="dk1"/>
+          </a:fillRef>
+          <a:effectRef idx="0">
+            <a:schemeClr val="dk1"/>
+          </a:effectRef>
+          <a:fontRef idx="minor">
+            <a:schemeClr val="lt1"/>
+          </a:fontRef>
+        </p:style>
+        <p:txBody>
+          <a:bodyPr rtlCol="0" anchor="t" anchorCtr="0"/>
+          <a:lstStyle/>
+          <a:p>
+            <a:r>
+              <a:rPr lang="en-US" altLang="zh-CN" sz="1400" dirty="0">
+                <a:solidFill>
+                  <a:srgbClr val="00B050"/>
+                </a:solidFill>
+              </a:rPr>
+              <a:t>//</a:t>
+            </a:r>
+            <a:r>
+              <a:rPr lang="zh-CN" altLang="en-US" sz="1400" dirty="0">
+                <a:solidFill>
+                  <a:srgbClr val="00B050"/>
+                </a:solidFill>
+              </a:rPr>
+              <a:t>后置处理器</a:t>
+            </a:r>
+            <a:endParaRPr lang="en-US" altLang="zh-CN" sz="1400" dirty="0">
+              <a:solidFill>
+                <a:srgbClr val="00B050"/>
+              </a:solidFill>
+            </a:endParaRPr>
+          </a:p>
+          <a:p>
+            <a:r>
+              <a:rPr lang="en-US" altLang="zh-CN" sz="1400" dirty="0">
+                <a:solidFill>
+                  <a:srgbClr val="00B050"/>
+                </a:solidFill>
+              </a:rPr>
+              <a:t>//</a:t>
+            </a:r>
+            <a:r>
+              <a:rPr lang="zh-CN" altLang="en-US" sz="1400" dirty="0">
+                <a:solidFill>
+                  <a:srgbClr val="00B050"/>
+                </a:solidFill>
+              </a:rPr>
+              <a:t>遍历所有的</a:t>
+            </a:r>
+            <a:r>
+              <a:rPr lang="en-US" altLang="zh-CN" sz="1400" dirty="0" err="1">
+                <a:solidFill>
+                  <a:srgbClr val="00B050"/>
+                </a:solidFill>
+              </a:rPr>
+              <a:t>BeanPostProcessor</a:t>
+            </a:r>
+            <a:endParaRPr lang="en-US" altLang="zh-CN" sz="1400" dirty="0">
+              <a:solidFill>
+                <a:srgbClr val="00B050"/>
+              </a:solidFill>
+            </a:endParaRPr>
+          </a:p>
+          <a:p>
+            <a:r>
+              <a:rPr lang="en-US" altLang="zh-CN" sz="1400" dirty="0">
+                <a:solidFill>
+                  <a:srgbClr val="00B050"/>
+                </a:solidFill>
+              </a:rPr>
+              <a:t>//</a:t>
+            </a:r>
+            <a:r>
+              <a:rPr lang="zh-CN" altLang="en-US" sz="1400" dirty="0">
+                <a:solidFill>
+                  <a:srgbClr val="00B050"/>
+                </a:solidFill>
+              </a:rPr>
+              <a:t>并调用每一个</a:t>
+            </a:r>
+            <a:r>
+              <a:rPr lang="en-US" altLang="zh-CN" sz="1400" dirty="0">
+                <a:solidFill>
+                  <a:srgbClr val="00B050"/>
+                </a:solidFill>
+              </a:rPr>
+              <a:t>processor</a:t>
+            </a:r>
+            <a:r>
+              <a:rPr lang="zh-CN" altLang="en-US" sz="1400" dirty="0">
+                <a:solidFill>
+                  <a:srgbClr val="00B050"/>
+                </a:solidFill>
+              </a:rPr>
+              <a:t>的</a:t>
+            </a:r>
+            <a:r>
+              <a:rPr lang="en-US" altLang="zh-CN" sz="1400" dirty="0" err="1">
+                <a:solidFill>
+                  <a:srgbClr val="00B050"/>
+                </a:solidFill>
+              </a:rPr>
+              <a:t>postProcessAfterInitialization</a:t>
+            </a:r>
+            <a:r>
+              <a:rPr lang="zh-CN" altLang="en-US" sz="1400" dirty="0">
+                <a:solidFill>
+                  <a:srgbClr val="00B050"/>
+                </a:solidFill>
+              </a:rPr>
+              <a:t>方法</a:t>
+            </a:r>
+            <a:endParaRPr lang="en-US" altLang="zh-CN" sz="1400" dirty="0">
+              <a:solidFill>
+                <a:srgbClr val="00B050"/>
+              </a:solidFill>
+            </a:endParaRPr>
+          </a:p>
+          <a:p>
+            <a:r>
+              <a:rPr lang="en-US" altLang="zh-CN" sz="1400" dirty="0" err="1"/>
+              <a:t>applyBeanPostProcessorsAfterInitialization</a:t>
+            </a:r>
+            <a:endParaRPr lang="zh-CN" altLang="en-US" sz="1400" dirty="0"/>
+          </a:p>
+        </p:txBody>
+      </p:sp>
+      <p:cxnSp>
+        <p:nvCxnSpPr>
+          <p:cNvPr id="26" name="直接箭头连接符 25">
+            <a:extLst>
+              <a:ext uri="{FF2B5EF4-FFF2-40B4-BE49-F238E27FC236}">
+                <a16:creationId xmlns:a16="http://schemas.microsoft.com/office/drawing/2014/main" id="{57AEFB9E-50E4-441D-9021-A4C4DC4116DF}"/>
+              </a:ext>
+            </a:extLst>
+          </p:cNvPr>
+          <p:cNvCxnSpPr>
+            <a:stCxn id="18" idx="2"/>
+            <a:endCxn id="22" idx="0"/>
+          </p:cNvCxnSpPr>
+          <p:nvPr/>
+        </p:nvCxnSpPr>
+        <p:spPr>
+          <a:xfrm flipH="1">
+            <a:off x="7323446" y="2703457"/>
+            <a:ext cx="1804542" cy="476963"/>
+          </a:xfrm>
+          <a:prstGeom prst="straightConnector1">
+            <a:avLst/>
+          </a:prstGeom>
+          <a:ln>
+            <a:tailEnd type="triangle"/>
+          </a:ln>
+        </p:spPr>
+        <p:style>
+          <a:lnRef idx="1">
+            <a:schemeClr val="accent1"/>
+          </a:lnRef>
+          <a:fillRef idx="0">
+            <a:schemeClr val="accent1"/>
+          </a:fillRef>
+          <a:effectRef idx="0">
+            <a:schemeClr val="accent1"/>
+          </a:effectRef>
+          <a:fontRef idx="minor">
+            <a:schemeClr val="tx1"/>
+          </a:fontRef>
+        </p:style>
+      </p:cxnSp>
+      <p:sp>
+        <p:nvSpPr>
+          <p:cNvPr id="27" name="矩形 26">
+            <a:extLst>
+              <a:ext uri="{FF2B5EF4-FFF2-40B4-BE49-F238E27FC236}">
+                <a16:creationId xmlns:a16="http://schemas.microsoft.com/office/drawing/2014/main" id="{9141CF27-847F-4367-A4D8-371CDA49424D}"/>
+              </a:ext>
+            </a:extLst>
+          </p:cNvPr>
+          <p:cNvSpPr/>
+          <p:nvPr/>
+        </p:nvSpPr>
+        <p:spPr>
+          <a:xfrm>
+            <a:off x="4979393" y="855608"/>
+            <a:ext cx="4172607" cy="709445"/>
+          </a:xfrm>
+          <a:prstGeom prst="rect">
+            <a:avLst/>
+          </a:prstGeom>
+        </p:spPr>
+        <p:style>
+          <a:lnRef idx="3">
+            <a:schemeClr val="lt1"/>
+          </a:lnRef>
+          <a:fillRef idx="1">
+            <a:schemeClr val="accent6"/>
+          </a:fillRef>
+          <a:effectRef idx="1">
+            <a:schemeClr val="accent6"/>
+          </a:effectRef>
+          <a:fontRef idx="minor">
+            <a:schemeClr val="lt1"/>
+          </a:fontRef>
+        </p:style>
+        <p:txBody>
+          <a:bodyPr rtlCol="0" anchor="ctr"/>
+          <a:lstStyle/>
+          <a:p>
+            <a:r>
+              <a:rPr lang="en-US" altLang="zh-CN" b="1" dirty="0" err="1"/>
+              <a:t>InstantiationAwareBeanPostProcessor</a:t>
+            </a:r>
+            <a:r>
+              <a:rPr lang="zh-CN" altLang="en-US" b="1" dirty="0"/>
+              <a:t>的</a:t>
+            </a:r>
+            <a:r>
+              <a:rPr lang="en-US" altLang="zh-CN" b="1" dirty="0" err="1"/>
+              <a:t>postProcessAfterInstantiation</a:t>
+            </a:r>
+            <a:endParaRPr lang="en-US" altLang="zh-CN" b="1" dirty="0"/>
+          </a:p>
+        </p:txBody>
+      </p:sp>
+    </p:spTree>
+    <p:extLst>
+      <p:ext uri="{BB962C8B-B14F-4D97-AF65-F5344CB8AC3E}">
+        <p14:creationId xmlns:p14="http://schemas.microsoft.com/office/powerpoint/2010/main" val="147144338"/>
+      </p:ext>
+    </p:extLst>
+  </p:cSld>
+  <p:clrMapOvr>
+    <a:masterClrMapping/>
+  </p:clrMapOvr>
+</p:sld>
+</file>
+
 <file path=ppt/theme/theme1.xml><?xml version="1.0" encoding="utf-8"?>
 <a:theme xmlns:a="http://schemas.openxmlformats.org/drawingml/2006/main" name="Office 主题​​">
   <a:themeElements>
